--- a/docs/djangocon-09-presentation-shawnr-nowells.pptx
+++ b/docs/djangocon-09-presentation-shawnr-nowells.pptx
@@ -17,7 +17,7 @@
     <p:sldMasterId r:id="rId13"/>
   </p:sldMasterIdLst>
   <p:notesMasterIdLst>
-    <p:notesMasterId r:id="rId41"/>
+    <p:notesMasterId r:id="rId40"/>
   </p:notesMasterIdLst>
   <p:sldIdLst>
     <p:sldId id="259" r:id="rId14"/>
@@ -45,8 +45,7 @@
     <p:sldId id="294" r:id="rId36"/>
     <p:sldId id="293" r:id="rId37"/>
     <p:sldId id="291" r:id="rId38"/>
-    <p:sldId id="286" r:id="rId39"/>
-    <p:sldId id="277" r:id="rId40"/>
+    <p:sldId id="277" r:id="rId39"/>
   </p:sldIdLst>
   <p:sldSz cx="9144000" cy="6858000" type="screen4x3"/>
   <p:notesSz cx="6858000" cy="9144000"/>
@@ -2372,207 +2371,7 @@
                 <a:spcPct val="0"/>
               </a:spcBef>
             </a:pPr>
-            <a:r>
-              <a:rPr lang="en-US" smtClean="0">
-                <a:ea typeface="ＭＳ Ｐゴシック" charset="-128"/>
-                <a:cs typeface="ＭＳ Ｐゴシック" charset="-128"/>
-              </a:rPr>
-              <a:t>Since 2006, PBS has been using Django</a:t>
-            </a:r>
-          </a:p>
-          <a:p>
-            <a:pPr eaLnBrk="1" hangingPunct="1">
-              <a:spcBef>
-                <a:spcPct val="0"/>
-              </a:spcBef>
-            </a:pPr>
-            <a:endParaRPr lang="en-US" smtClean="0">
-              <a:ea typeface="ＭＳ Ｐゴシック" charset="-128"/>
-              <a:cs typeface="ＭＳ Ｐゴシック" charset="-128"/>
-            </a:endParaRPr>
-          </a:p>
-          <a:p>
-            <a:pPr eaLnBrk="1" hangingPunct="1">
-              <a:spcBef>
-                <a:spcPct val="0"/>
-              </a:spcBef>
-            </a:pPr>
-            <a:r>
-              <a:rPr lang="en-US" smtClean="0">
-                <a:ea typeface="ＭＳ Ｐゴシック" charset="-128"/>
-                <a:cs typeface="ＭＳ Ｐゴシック" charset="-128"/>
-              </a:rPr>
-              <a:t>Django helps us solve problems in a variety of ways</a:t>
-            </a:r>
-          </a:p>
-          <a:p>
-            <a:pPr eaLnBrk="1" hangingPunct="1">
-              <a:spcBef>
-                <a:spcPct val="0"/>
-              </a:spcBef>
-            </a:pPr>
-            <a:endParaRPr lang="en-US" smtClean="0">
-              <a:ea typeface="ＭＳ Ｐゴシック" charset="-128"/>
-              <a:cs typeface="ＭＳ Ｐゴシック" charset="-128"/>
-            </a:endParaRPr>
-          </a:p>
-          <a:p>
-            <a:pPr eaLnBrk="1" hangingPunct="1">
-              <a:spcBef>
-                <a:spcPct val="0"/>
-              </a:spcBef>
-            </a:pPr>
-            <a:r>
-              <a:rPr lang="en-US" smtClean="0">
-                <a:ea typeface="ＭＳ Ｐゴシック" charset="-128"/>
-                <a:cs typeface="ＭＳ Ｐゴシック" charset="-128"/>
-              </a:rPr>
-              <a:t>For all the reasons listed here, Django is a useful framework for us</a:t>
-            </a:r>
-          </a:p>
-          <a:p>
-            <a:pPr eaLnBrk="1" hangingPunct="1">
-              <a:spcBef>
-                <a:spcPct val="0"/>
-              </a:spcBef>
-            </a:pPr>
-            <a:endParaRPr lang="en-US" smtClean="0">
-              <a:ea typeface="ＭＳ Ｐゴシック" charset="-128"/>
-              <a:cs typeface="ＭＳ Ｐゴシック" charset="-128"/>
-            </a:endParaRPr>
-          </a:p>
-          <a:p>
-            <a:pPr eaLnBrk="1" hangingPunct="1">
-              <a:spcBef>
-                <a:spcPct val="0"/>
-              </a:spcBef>
-            </a:pPr>
-            <a:r>
-              <a:rPr lang="en-US" smtClean="0">
-                <a:ea typeface="ＭＳ Ｐゴシック" charset="-128"/>
-                <a:cs typeface="ＭＳ Ｐゴシック" charset="-128"/>
-              </a:rPr>
-              <a:t>PBS was initially built largely on Perl scripts outputting static HTML</a:t>
-            </a:r>
-          </a:p>
-          <a:p>
-            <a:pPr eaLnBrk="1" hangingPunct="1">
-              <a:spcBef>
-                <a:spcPct val="0"/>
-              </a:spcBef>
-            </a:pPr>
-            <a:endParaRPr lang="en-US" smtClean="0">
-              <a:ea typeface="ＭＳ Ｐゴシック" charset="-128"/>
-              <a:cs typeface="ＭＳ Ｐゴシック" charset="-128"/>
-            </a:endParaRPr>
-          </a:p>
-          <a:p>
-            <a:pPr eaLnBrk="1" hangingPunct="1">
-              <a:spcBef>
-                <a:spcPct val="0"/>
-              </a:spcBef>
-            </a:pPr>
-            <a:r>
-              <a:rPr lang="en-US" smtClean="0">
-                <a:ea typeface="ＭＳ Ｐゴシック" charset="-128"/>
-                <a:cs typeface="ＭＳ Ｐゴシック" charset="-128"/>
-              </a:rPr>
-              <a:t>But there was also some mix-in of Java and earlier Python frameworks such as Zope/Plone</a:t>
-            </a:r>
-          </a:p>
-          <a:p>
-            <a:pPr eaLnBrk="1" hangingPunct="1">
-              <a:spcBef>
-                <a:spcPct val="0"/>
-              </a:spcBef>
-            </a:pPr>
-            <a:endParaRPr lang="en-US" smtClean="0">
-              <a:ea typeface="ＭＳ Ｐゴシック" charset="-128"/>
-              <a:cs typeface="ＭＳ Ｐゴシック" charset="-128"/>
-            </a:endParaRPr>
-          </a:p>
-          <a:p>
-            <a:pPr eaLnBrk="1" hangingPunct="1">
-              <a:spcBef>
-                <a:spcPct val="0"/>
-              </a:spcBef>
-            </a:pPr>
-            <a:r>
-              <a:rPr lang="en-US" smtClean="0">
-                <a:ea typeface="ＭＳ Ｐゴシック" charset="-128"/>
-                <a:cs typeface="ＭＳ Ｐゴシック" charset="-128"/>
-              </a:rPr>
-              <a:t>As we move forward, we must be able to support existing functionality while we build new functionality</a:t>
-            </a:r>
-          </a:p>
-          <a:p>
-            <a:pPr eaLnBrk="1" hangingPunct="1">
-              <a:spcBef>
-                <a:spcPct val="0"/>
-              </a:spcBef>
-            </a:pPr>
-            <a:endParaRPr lang="en-US" smtClean="0">
-              <a:ea typeface="ＭＳ Ｐゴシック" charset="-128"/>
-              <a:cs typeface="ＭＳ Ｐゴシック" charset="-128"/>
-            </a:endParaRPr>
-          </a:p>
-          <a:p>
-            <a:pPr eaLnBrk="1" hangingPunct="1">
-              <a:spcBef>
-                <a:spcPct val="0"/>
-              </a:spcBef>
-            </a:pPr>
-            <a:r>
-              <a:rPr lang="en-US" smtClean="0">
-                <a:ea typeface="ＭＳ Ｐゴシック" charset="-128"/>
-                <a:cs typeface="ＭＳ Ｐゴシック" charset="-128"/>
-              </a:rPr>
-              <a:t>Django is flexible enough to allow us to do this</a:t>
-            </a:r>
-          </a:p>
-          <a:p>
-            <a:pPr eaLnBrk="1" hangingPunct="1">
-              <a:spcBef>
-                <a:spcPct val="0"/>
-              </a:spcBef>
-            </a:pPr>
-            <a:endParaRPr lang="en-US" smtClean="0">
-              <a:ea typeface="ＭＳ Ｐゴシック" charset="-128"/>
-              <a:cs typeface="ＭＳ Ｐゴシック" charset="-128"/>
-            </a:endParaRPr>
-          </a:p>
-          <a:p>
-            <a:pPr eaLnBrk="1" hangingPunct="1">
-              <a:spcBef>
-                <a:spcPct val="0"/>
-              </a:spcBef>
-            </a:pPr>
-            <a:r>
-              <a:rPr lang="en-US" smtClean="0">
-                <a:ea typeface="ＭＳ Ｐゴシック" charset="-128"/>
-                <a:cs typeface="ＭＳ Ｐゴシック" charset="-128"/>
-              </a:rPr>
-              <a:t>Django has also allowed us to begin building components that can be leveraged by stations and producers building their own Django sites</a:t>
-            </a:r>
-          </a:p>
-          <a:p>
-            <a:pPr eaLnBrk="1" hangingPunct="1">
-              <a:spcBef>
-                <a:spcPct val="0"/>
-              </a:spcBef>
-            </a:pPr>
-            <a:endParaRPr lang="en-US" smtClean="0">
-              <a:ea typeface="ＭＳ Ｐゴシック" charset="-128"/>
-              <a:cs typeface="ＭＳ Ｐゴシック" charset="-128"/>
-            </a:endParaRPr>
-          </a:p>
-          <a:p>
-            <a:pPr eaLnBrk="1" hangingPunct="1">
-              <a:spcBef>
-                <a:spcPct val="0"/>
-              </a:spcBef>
-            </a:pPr>
-            <a:endParaRPr lang="en-US" smtClean="0">
+            <a:endParaRPr lang="en-US" dirty="0" smtClean="0">
               <a:ea typeface="ＭＳ Ｐゴシック" charset="-128"/>
               <a:cs typeface="ＭＳ Ｐゴシック" charset="-128"/>
             </a:endParaRPr>
@@ -2797,10 +2596,13 @@
                 <a:spcPct val="0"/>
               </a:spcBef>
             </a:pPr>
-            <a:endParaRPr lang="en-US" smtClean="0">
-              <a:ea typeface="ＭＳ Ｐゴシック" charset="-128"/>
-              <a:cs typeface="ＭＳ Ｐゴシック" charset="-128"/>
-            </a:endParaRPr>
+            <a:r>
+              <a:rPr lang="en-US" dirty="0" smtClean="0">
+                <a:ea typeface="ＭＳ Ｐゴシック" charset="-128"/>
+                <a:cs typeface="ＭＳ Ｐゴシック" charset="-128"/>
+              </a:rPr>
+              <a:t>(N)</a:t>
+            </a:r>
           </a:p>
           <a:p>
             <a:pPr eaLnBrk="1" hangingPunct="1">
@@ -2808,7 +2610,7 @@
                 <a:spcPct val="0"/>
               </a:spcBef>
             </a:pPr>
-            <a:endParaRPr lang="en-US" smtClean="0">
+            <a:endParaRPr lang="en-US" dirty="0" smtClean="0">
               <a:ea typeface="ＭＳ Ｐゴシック" charset="-128"/>
               <a:cs typeface="ＭＳ Ｐゴシック" charset="-128"/>
             </a:endParaRPr>
@@ -3620,18 +3422,21 @@
                 <a:spcPct val="0"/>
               </a:spcBef>
             </a:pPr>
-            <a:endParaRPr lang="en-US" smtClean="0">
-              <a:ea typeface="ＭＳ Ｐゴシック" charset="-128"/>
-              <a:cs typeface="ＭＳ Ｐゴシック" charset="-128"/>
-            </a:endParaRPr>
-          </a:p>
-          <a:p>
-            <a:pPr eaLnBrk="1" hangingPunct="1">
-              <a:spcBef>
-                <a:spcPct val="0"/>
-              </a:spcBef>
-            </a:pPr>
-            <a:endParaRPr lang="en-US" smtClean="0">
+            <a:r>
+              <a:rPr lang="en-US" dirty="0" smtClean="0">
+                <a:ea typeface="ＭＳ Ｐゴシック" charset="-128"/>
+                <a:cs typeface="ＭＳ Ｐゴシック" charset="-128"/>
+              </a:rPr>
+              <a:t>Follow</a:t>
+            </a:r>
+            <a:r>
+              <a:rPr lang="en-US" baseline="0" dirty="0" smtClean="0">
+                <a:ea typeface="ＭＳ Ｐゴシック" charset="-128"/>
+                <a:cs typeface="ＭＳ Ｐゴシック" charset="-128"/>
+              </a:rPr>
+              <a:t> PEP8 with our examples</a:t>
+            </a:r>
+            <a:endParaRPr lang="en-US" dirty="0" smtClean="0">
               <a:ea typeface="ＭＳ Ｐゴシック" charset="-128"/>
               <a:cs typeface="ＭＳ Ｐゴシック" charset="-128"/>
             </a:endParaRPr>
@@ -3696,7 +3501,7 @@
       </p:grpSpPr>
       <p:sp>
         <p:nvSpPr>
-          <p:cNvPr id="207874" name="Slide Image Placeholder 1"/>
+          <p:cNvPr id="209922" name="Slide Image Placeholder 1"/>
           <p:cNvSpPr>
             <a:spLocks noGrp="1" noRot="1" noChangeAspect="1"/>
           </p:cNvSpPr>
@@ -3718,7 +3523,7 @@
       </p:sp>
       <p:sp>
         <p:nvSpPr>
-          <p:cNvPr id="207875" name="Notes Placeholder 2"/>
+          <p:cNvPr id="209923" name="Notes Placeholder 2"/>
           <p:cNvSpPr>
             <a:spLocks noGrp="1"/>
           </p:cNvSpPr>
@@ -3758,7 +3563,7 @@
       </p:sp>
       <p:sp>
         <p:nvSpPr>
-          <p:cNvPr id="207876" name="Slide Number Placeholder 3"/>
+          <p:cNvPr id="209924" name="Slide Number Placeholder 3"/>
           <p:cNvSpPr>
             <a:spLocks noGrp="1"/>
           </p:cNvSpPr>
@@ -3778,128 +3583,10 @@
           <a:bodyPr/>
           <a:lstStyle/>
           <a:p>
-            <a:fld id="{D1EAF189-504F-4743-BC3E-82E8CC818ED6}" type="slidenum">
+            <a:fld id="{812B5A07-1A8B-4745-8687-5EB205EF863F}" type="slidenum">
               <a:rPr lang="en-US" smtClean="0"/>
               <a:pPr/>
               <a:t>26</a:t>
-            </a:fld>
-            <a:endParaRPr lang="en-US" smtClean="0"/>
-          </a:p>
-        </p:txBody>
-      </p:sp>
-    </p:spTree>
-  </p:cSld>
-  <p:clrMapOvr>
-    <a:masterClrMapping/>
-  </p:clrMapOvr>
-</p:notes>
-</file>
-
-<file path=ppt/notesSlides/notesSlide27.xml><?xml version="1.0" encoding="utf-8"?>
-<p:notes xmlns:a="http://schemas.openxmlformats.org/drawingml/2006/main" xmlns:r="http://schemas.openxmlformats.org/officeDocument/2006/relationships" xmlns:mc="http://schemas.openxmlformats.org/markup-compatibility/2006" xmlns:mv="urn:schemas-microsoft-com:mac:vml" xmlns:p="http://schemas.openxmlformats.org/presentationml/2006/main" mc:Ignorable="mv" mc:PreserveAttributes="mv:*">
-  <p:cSld>
-    <p:spTree>
-      <p:nvGrpSpPr>
-        <p:cNvPr id="1" name=""/>
-        <p:cNvGrpSpPr/>
-        <p:nvPr/>
-      </p:nvGrpSpPr>
-      <p:grpSpPr>
-        <a:xfrm>
-          <a:off x="0" y="0"/>
-          <a:ext cx="0" cy="0"/>
-          <a:chOff x="0" y="0"/>
-          <a:chExt cx="0" cy="0"/>
-        </a:xfrm>
-      </p:grpSpPr>
-      <p:sp>
-        <p:nvSpPr>
-          <p:cNvPr id="209922" name="Slide Image Placeholder 1"/>
-          <p:cNvSpPr>
-            <a:spLocks noGrp="1" noRot="1" noChangeAspect="1"/>
-          </p:cNvSpPr>
-          <p:nvPr>
-            <p:ph type="sldImg"/>
-          </p:nvPr>
-        </p:nvSpPr>
-        <p:spPr bwMode="auto">
-          <a:noFill/>
-          <a:ln>
-            <a:solidFill>
-              <a:srgbClr val="000000"/>
-            </a:solidFill>
-            <a:miter lim="800000"/>
-            <a:headEnd/>
-            <a:tailEnd/>
-          </a:ln>
-        </p:spPr>
-      </p:sp>
-      <p:sp>
-        <p:nvSpPr>
-          <p:cNvPr id="209923" name="Notes Placeholder 2"/>
-          <p:cNvSpPr>
-            <a:spLocks noGrp="1"/>
-          </p:cNvSpPr>
-          <p:nvPr>
-            <p:ph type="body" idx="1"/>
-          </p:nvPr>
-        </p:nvSpPr>
-        <p:spPr bwMode="auto">
-          <a:noFill/>
-        </p:spPr>
-        <p:txBody>
-          <a:bodyPr/>
-          <a:lstStyle/>
-          <a:p>
-            <a:pPr eaLnBrk="1" hangingPunct="1">
-              <a:spcBef>
-                <a:spcPct val="0"/>
-              </a:spcBef>
-            </a:pPr>
-            <a:endParaRPr lang="en-US" smtClean="0">
-              <a:ea typeface="ＭＳ Ｐゴシック" charset="-128"/>
-              <a:cs typeface="ＭＳ Ｐゴシック" charset="-128"/>
-            </a:endParaRPr>
-          </a:p>
-          <a:p>
-            <a:pPr eaLnBrk="1" hangingPunct="1">
-              <a:spcBef>
-                <a:spcPct val="0"/>
-              </a:spcBef>
-            </a:pPr>
-            <a:endParaRPr lang="en-US" smtClean="0">
-              <a:ea typeface="ＭＳ Ｐゴシック" charset="-128"/>
-              <a:cs typeface="ＭＳ Ｐゴシック" charset="-128"/>
-            </a:endParaRPr>
-          </a:p>
-        </p:txBody>
-      </p:sp>
-      <p:sp>
-        <p:nvSpPr>
-          <p:cNvPr id="209924" name="Slide Number Placeholder 3"/>
-          <p:cNvSpPr>
-            <a:spLocks noGrp="1"/>
-          </p:cNvSpPr>
-          <p:nvPr>
-            <p:ph type="sldNum" sz="quarter" idx="5"/>
-          </p:nvPr>
-        </p:nvSpPr>
-        <p:spPr bwMode="auto">
-          <a:noFill/>
-          <a:ln>
-            <a:miter lim="800000"/>
-            <a:headEnd/>
-            <a:tailEnd/>
-          </a:ln>
-        </p:spPr>
-        <p:txBody>
-          <a:bodyPr/>
-          <a:lstStyle/>
-          <a:p>
-            <a:fld id="{812B5A07-1A8B-4745-8687-5EB205EF863F}" type="slidenum">
-              <a:rPr lang="en-US" smtClean="0"/>
-              <a:pPr/>
-              <a:t>27</a:t>
             </a:fld>
             <a:endParaRPr lang="en-US" smtClean="0"/>
           </a:p>
@@ -40790,254 +40477,6 @@
       </p:grpSpPr>
       <p:sp>
         <p:nvSpPr>
-          <p:cNvPr id="206851" name="Rectangle 4"/>
-          <p:cNvSpPr>
-            <a:spLocks/>
-          </p:cNvSpPr>
-          <p:nvPr/>
-        </p:nvSpPr>
-        <p:spPr bwMode="auto">
-          <a:xfrm>
-            <a:off x="285750" y="299145"/>
-            <a:ext cx="8572500" cy="392906"/>
-          </a:xfrm>
-          <a:prstGeom prst="rect">
-            <a:avLst/>
-          </a:prstGeom>
-          <a:noFill/>
-          <a:ln w="12700">
-            <a:noFill/>
-            <a:miter lim="800000"/>
-            <a:headEnd/>
-            <a:tailEnd/>
-          </a:ln>
-        </p:spPr>
-        <p:txBody>
-          <a:bodyPr lIns="0" tIns="0" rIns="0" bIns="0" anchor="ctr">
-            <a:prstTxWarp prst="textNoShape">
-              <a:avLst/>
-            </a:prstTxWarp>
-          </a:bodyPr>
-          <a:lstStyle/>
-          <a:p>
-            <a:pPr algn="r"/>
-            <a:r>
-              <a:rPr lang="en-US" sz="2500" dirty="0">
-                <a:solidFill>
-                  <a:srgbClr val="FFFFFF"/>
-                </a:solidFill>
-                <a:latin typeface="Myriad Pro" pitchFamily="-65" charset="0"/>
-                <a:ea typeface="Myriad Pro" pitchFamily="-65" charset="0"/>
-                <a:cs typeface="Myriad Pro" pitchFamily="-65" charset="0"/>
-                <a:sym typeface="Myriad Pro" pitchFamily="-65" charset="0"/>
-              </a:rPr>
-              <a:t>Pros and Cons of  This Solution</a:t>
-            </a:r>
-          </a:p>
-        </p:txBody>
-      </p:sp>
-      <p:pic>
-        <p:nvPicPr>
-          <p:cNvPr id="206852" name="Picture 5" descr="Pr_Bemore_K.eps"/>
-          <p:cNvPicPr>
-            <a:picLocks noChangeAspect="1"/>
-          </p:cNvPicPr>
-          <p:nvPr/>
-        </p:nvPicPr>
-        <p:blipFill>
-          <a:blip r:embed="rId3"/>
-          <a:srcRect/>
-          <a:stretch>
-            <a:fillRect/>
-          </a:stretch>
-        </p:blipFill>
-        <p:spPr bwMode="auto">
-          <a:xfrm>
-            <a:off x="178594" y="6268641"/>
-            <a:ext cx="1232297" cy="405185"/>
-          </a:xfrm>
-          <a:prstGeom prst="rect">
-            <a:avLst/>
-          </a:prstGeom>
-          <a:noFill/>
-          <a:ln w="9525">
-            <a:noFill/>
-            <a:miter lim="800000"/>
-            <a:headEnd/>
-            <a:tailEnd/>
-          </a:ln>
-        </p:spPr>
-      </p:pic>
-      <p:sp>
-        <p:nvSpPr>
-          <p:cNvPr id="206853" name="Text Placeholder 6"/>
-          <p:cNvSpPr>
-            <a:spLocks noGrp="1"/>
-          </p:cNvSpPr>
-          <p:nvPr>
-            <p:ph type="body" idx="1"/>
-          </p:nvPr>
-        </p:nvSpPr>
-        <p:spPr/>
-        <p:txBody>
-          <a:bodyPr/>
-          <a:lstStyle/>
-          <a:p>
-            <a:r>
-              <a:rPr lang="en-US" sz="3500" dirty="0" smtClean="0"/>
-              <a:t>Things We Like</a:t>
-            </a:r>
-          </a:p>
-        </p:txBody>
-      </p:sp>
-      <p:sp>
-        <p:nvSpPr>
-          <p:cNvPr id="206854" name="Content Placeholder 7"/>
-          <p:cNvSpPr>
-            <a:spLocks noGrp="1"/>
-          </p:cNvSpPr>
-          <p:nvPr>
-            <p:ph sz="half" idx="2"/>
-          </p:nvPr>
-        </p:nvSpPr>
-        <p:spPr>
-          <a:xfrm>
-            <a:off x="457647" y="2518172"/>
-            <a:ext cx="4039568" cy="3951387"/>
-          </a:xfrm>
-        </p:spPr>
-        <p:txBody>
-          <a:bodyPr/>
-          <a:lstStyle/>
-          <a:p>
-            <a:r>
-              <a:rPr lang="en-US" sz="2200" dirty="0" smtClean="0"/>
-              <a:t>Consolidates </a:t>
-            </a:r>
-            <a:r>
-              <a:rPr lang="en-US" sz="2200" dirty="0" err="1" smtClean="0"/>
-              <a:t>extra_content</a:t>
-            </a:r>
-            <a:r>
-              <a:rPr lang="en-US" sz="2200" dirty="0" smtClean="0"/>
-              <a:t> generation in adherence to </a:t>
-            </a:r>
-            <a:r>
-              <a:rPr lang="en-US" sz="2200" dirty="0" smtClean="0"/>
-              <a:t>DRY principals</a:t>
-            </a:r>
-          </a:p>
-          <a:p>
-            <a:r>
-              <a:rPr lang="en-US" sz="2200" dirty="0" smtClean="0"/>
-              <a:t>Non-intrusive and non-destructive to apps made pluggable</a:t>
-            </a:r>
-          </a:p>
-          <a:p>
-            <a:r>
-              <a:rPr lang="en-US" sz="2200" dirty="0" smtClean="0"/>
-              <a:t>Loose coupling of apps requires few points of contact</a:t>
-            </a:r>
-          </a:p>
-          <a:p>
-            <a:endParaRPr lang="en-US" sz="2200" dirty="0" smtClean="0"/>
-          </a:p>
-        </p:txBody>
-      </p:sp>
-      <p:sp>
-        <p:nvSpPr>
-          <p:cNvPr id="206855" name="Text Placeholder 8"/>
-          <p:cNvSpPr>
-            <a:spLocks noGrp="1"/>
-          </p:cNvSpPr>
-          <p:nvPr>
-            <p:ph type="body" sz="quarter" idx="3"/>
-          </p:nvPr>
-        </p:nvSpPr>
-        <p:spPr/>
-        <p:txBody>
-          <a:bodyPr/>
-          <a:lstStyle/>
-          <a:p>
-            <a:r>
-              <a:rPr lang="en-US" sz="3300" dirty="0" smtClean="0"/>
-              <a:t>Room to Improve</a:t>
-            </a:r>
-          </a:p>
-        </p:txBody>
-      </p:sp>
-      <p:sp>
-        <p:nvSpPr>
-          <p:cNvPr id="206856" name="Content Placeholder 9"/>
-          <p:cNvSpPr>
-            <a:spLocks noGrp="1"/>
-          </p:cNvSpPr>
-          <p:nvPr>
-            <p:ph sz="quarter" idx="4"/>
-          </p:nvPr>
-        </p:nvSpPr>
-        <p:spPr>
-          <a:xfrm>
-            <a:off x="4644555" y="2531566"/>
-            <a:ext cx="4041799" cy="3951387"/>
-          </a:xfrm>
-        </p:spPr>
-        <p:txBody>
-          <a:bodyPr/>
-          <a:lstStyle/>
-          <a:p>
-            <a:r>
-              <a:rPr lang="en-US" sz="2200" dirty="0" smtClean="0"/>
-              <a:t>Still requires same amount of work as traditional reusable app approach; would be nice to lessen implementation hassle</a:t>
-            </a:r>
-          </a:p>
-          <a:p>
-            <a:r>
-              <a:rPr lang="en-US" sz="2200" dirty="0" err="1" smtClean="0"/>
-              <a:t>Django</a:t>
-            </a:r>
-            <a:r>
-              <a:rPr lang="en-US" sz="2200" dirty="0" smtClean="0"/>
-              <a:t> URL namespace needs to be fixed to expose current namespace to request object. Once in place, we can remove current “prefix” system</a:t>
-            </a:r>
-          </a:p>
-        </p:txBody>
-      </p:sp>
-    </p:spTree>
-  </p:cSld>
-  <p:clrMapOvr>
-    <a:masterClrMapping/>
-  </p:clrMapOvr>
-  <p:transition/>
-  <p:timing>
-    <p:tnLst>
-      <p:par>
-        <p:cTn id="1" dur="indefinite" restart="never" nodeType="tmRoot"/>
-      </p:par>
-    </p:tnLst>
-  </p:timing>
-</p:sld>
-</file>
-
-<file path=ppt/slides/slide27.xml><?xml version="1.0" encoding="utf-8"?>
-<p:sld xmlns:a="http://schemas.openxmlformats.org/drawingml/2006/main" xmlns:r="http://schemas.openxmlformats.org/officeDocument/2006/relationships" xmlns:mc="http://schemas.openxmlformats.org/markup-compatibility/2006" xmlns:mv="urn:schemas-microsoft-com:mac:vml" xmlns:p="http://schemas.openxmlformats.org/presentationml/2006/main" mc:Ignorable="mv" mc:PreserveAttributes="mv:*">
-  <p:cSld>
-    <p:spTree>
-      <p:nvGrpSpPr>
-        <p:cNvPr id="1" name=""/>
-        <p:cNvGrpSpPr/>
-        <p:nvPr/>
-      </p:nvGrpSpPr>
-      <p:grpSpPr>
-        <a:xfrm>
-          <a:off x="0" y="0"/>
-          <a:ext cx="0" cy="0"/>
-          <a:chOff x="0" y="0"/>
-          <a:chExt cx="0" cy="0"/>
-        </a:xfrm>
-      </p:grpSpPr>
-      <p:sp>
-        <p:nvSpPr>
           <p:cNvPr id="208899" name="Rectangle 4"/>
           <p:cNvSpPr>
             <a:spLocks/>
@@ -43492,18 +42931,29 @@
             </a:br>
             <a:r>
               <a:rPr lang="en-US" sz="2500" dirty="0" smtClean="0"/>
-              <a:t>(e.g. </a:t>
+              <a:t>(e.g.</a:t>
+            </a:r>
+            <a:r>
+              <a:rPr lang="en-US" sz="2500" dirty="0" smtClean="0"/>
+              <a:t> </a:t>
             </a:r>
             <a:r>
               <a:rPr lang="en-US" sz="2500" dirty="0" smtClean="0">
                 <a:hlinkClick r:id="rId3"/>
               </a:rPr>
-              <a:t>http://example.com/discussions/</a:t>
-            </a:r>
-            <a:r>
-              <a:rPr lang="en-US" sz="2500" dirty="0" smtClean="0"/>
+              <a:t>http://example.com</a:t>
+            </a:r>
+            <a:r>
+              <a:rPr lang="en-US" sz="2500" smtClean="0">
+                <a:hlinkClick r:id="rId3"/>
+              </a:rPr>
+              <a:t>/comments/</a:t>
+            </a:r>
+            <a:r>
+              <a:rPr lang="en-US" sz="2500" smtClean="0"/>
               <a:t>)</a:t>
             </a:r>
+            <a:endParaRPr lang="en-US" sz="2500" dirty="0" smtClean="0"/>
           </a:p>
           <a:p>
             <a:pPr marL="625056" eaLnBrk="1" hangingPunct="1">

--- a/docs/djangocon-09-presentation-shawnr-nowells.pptx
+++ b/docs/djangocon-09-presentation-shawnr-nowells.pptx
@@ -2,19 +2,19 @@
 <file path=ppt/presentation.xml><?xml version="1.0" encoding="utf-8"?>
 <p:presentation xmlns:a="http://schemas.openxmlformats.org/drawingml/2006/main" xmlns:r="http://schemas.openxmlformats.org/officeDocument/2006/relationships" xmlns:mc="http://schemas.openxmlformats.org/markup-compatibility/2006" xmlns:mv="urn:schemas-microsoft-com:mac:vml" xmlns:p="http://schemas.openxmlformats.org/presentationml/2006/main" mc:Ignorable="mv" mc:PreserveAttributes="mv:*" strictFirstAndLastChars="0" saveSubsetFonts="1" autoCompressPictures="0">
   <p:sldMasterIdLst>
-    <p:sldMasterId r:id="rId1"/>
-    <p:sldMasterId r:id="rId2"/>
-    <p:sldMasterId r:id="rId3"/>
-    <p:sldMasterId r:id="rId4"/>
-    <p:sldMasterId r:id="rId5"/>
-    <p:sldMasterId r:id="rId6"/>
-    <p:sldMasterId r:id="rId7"/>
-    <p:sldMasterId r:id="rId8"/>
-    <p:sldMasterId r:id="rId9"/>
-    <p:sldMasterId r:id="rId10"/>
-    <p:sldMasterId r:id="rId11"/>
-    <p:sldMasterId r:id="rId12"/>
-    <p:sldMasterId r:id="rId13"/>
+    <p:sldMasterId id="2147483648" r:id="rId1"/>
+    <p:sldMasterId id="2147483660" r:id="rId2"/>
+    <p:sldMasterId id="2147483672" r:id="rId3"/>
+    <p:sldMasterId id="2147483684" r:id="rId4"/>
+    <p:sldMasterId id="2147483696" r:id="rId5"/>
+    <p:sldMasterId id="2147483708" r:id="rId6"/>
+    <p:sldMasterId id="2147483720" r:id="rId7"/>
+    <p:sldMasterId id="2147483732" r:id="rId8"/>
+    <p:sldMasterId id="2147483744" r:id="rId9"/>
+    <p:sldMasterId id="2147483756" r:id="rId10"/>
+    <p:sldMasterId id="2147483768" r:id="rId11"/>
+    <p:sldMasterId id="2147483780" r:id="rId12"/>
+    <p:sldMasterId id="2147483792" r:id="rId13"/>
   </p:sldMasterIdLst>
   <p:notesMasterIdLst>
     <p:notesMasterId r:id="rId40"/>
@@ -285,7 +285,7 @@
               <a:pPr>
                 <a:defRPr/>
               </a:pPr>
-              <a:t>9/8/09</a:t>
+              <a:t>9/9/09</a:t>
             </a:fld>
             <a:endParaRPr lang="en-US"/>
           </a:p>
@@ -670,14 +670,7 @@
                 <a:ea typeface="ＭＳ Ｐゴシック" charset="-128"/>
                 <a:cs typeface="ＭＳ Ｐゴシック" charset="-128"/>
               </a:rPr>
-              <a:t>Welcome and </a:t>
-            </a:r>
-            <a:r>
-              <a:rPr lang="en-US" dirty="0" smtClean="0">
-                <a:ea typeface="ＭＳ Ｐゴシック" charset="-128"/>
-                <a:cs typeface="ＭＳ Ｐゴシック" charset="-128"/>
-              </a:rPr>
-              <a:t>introductions</a:t>
+              <a:t>Welcome and introductions</a:t>
             </a:r>
           </a:p>
           <a:p>
@@ -823,14 +816,7 @@
                 <a:ea typeface="ＭＳ Ｐゴシック" charset="-128"/>
                 <a:cs typeface="ＭＳ Ｐゴシック" charset="-128"/>
               </a:rPr>
-              <a:t>Template </a:t>
-            </a:r>
-            <a:r>
-              <a:rPr lang="en-US" dirty="0" smtClean="0">
-                <a:ea typeface="ＭＳ Ｐゴシック" charset="-128"/>
-                <a:cs typeface="ＭＳ Ｐゴシック" charset="-128"/>
-              </a:rPr>
-              <a:t>Tags are often used to combine functionality from different apps into single pages.</a:t>
+              <a:t>Template Tags are often used to combine functionality from different apps into single pages.</a:t>
             </a:r>
           </a:p>
           <a:p>
@@ -1147,14 +1133,7 @@
                 <a:ea typeface="ＭＳ Ｐゴシック" charset="-128"/>
                 <a:cs typeface="ＭＳ Ｐゴシック" charset="-128"/>
               </a:rPr>
-              <a:t>(S) It’s </a:t>
-            </a:r>
-            <a:r>
-              <a:rPr lang="en-US" dirty="0" smtClean="0">
-                <a:ea typeface="ＭＳ Ｐゴシック" charset="-128"/>
-                <a:cs typeface="ＭＳ Ｐゴシック" charset="-128"/>
-              </a:rPr>
-              <a:t>helpful to look at a real-world example. In this case, we will examine a use case we were confronted with during the development of our social networking tool for educators’ professional development, PBS </a:t>
+              <a:t>(S) It’s helpful to look at a real-world example. In this case, we will examine a use case we were confronted with during the development of our social networking tool for educators’ professional development, PBS </a:t>
             </a:r>
             <a:r>
               <a:rPr lang="en-US" dirty="0" err="1" smtClean="0">
@@ -1389,19 +1368,8 @@
                 <a:ea typeface="ＭＳ Ｐゴシック" charset="-128"/>
                 <a:cs typeface="ＭＳ Ｐゴシック" charset="-128"/>
               </a:rPr>
-              <a:t>These were essential requirements, not all of which can be fulfilled with the traditional approaches.</a:t>
-            </a:r>
-            <a:r>
-              <a:rPr lang="en-US" dirty="0" smtClean="0">
-                <a:ea typeface="ＭＳ Ｐゴシック" charset="-128"/>
-                <a:cs typeface="ＭＳ Ｐゴシック" charset="-128"/>
-              </a:rPr>
-              <a:t> </a:t>
-            </a:r>
-            <a:endParaRPr lang="en-US" dirty="0" smtClean="0">
-              <a:ea typeface="ＭＳ Ｐゴシック" charset="-128"/>
-              <a:cs typeface="ＭＳ Ｐゴシック" charset="-128"/>
-            </a:endParaRPr>
+              <a:t>These were essential requirements, not all of which can be fulfilled with the traditional approaches. </a:t>
+            </a:r>
           </a:p>
         </p:txBody>
       </p:sp>
@@ -1512,10 +1480,6 @@
               </a:rPr>
               <a:t>By making an app “pluggable” we gain extra features:</a:t>
             </a:r>
-            <a:endParaRPr lang="en-US" dirty="0" smtClean="0">
-              <a:ea typeface="ＭＳ Ｐゴシック" charset="-128"/>
-              <a:cs typeface="ＭＳ Ｐゴシック" charset="-128"/>
-            </a:endParaRPr>
           </a:p>
           <a:p>
             <a:pPr eaLnBrk="1" hangingPunct="1">
@@ -4573,14 +4537,7 @@
                 <a:ea typeface="ＭＳ Ｐゴシック" charset="-128"/>
                 <a:cs typeface="ＭＳ Ｐゴシック" charset="-128"/>
               </a:rPr>
-              <a:t>Historically</a:t>
-            </a:r>
-            <a:r>
-              <a:rPr lang="en-US" dirty="0" smtClean="0">
-                <a:ea typeface="ＭＳ Ｐゴシック" charset="-128"/>
-                <a:cs typeface="ＭＳ Ｐゴシック" charset="-128"/>
-              </a:rPr>
-              <a:t>, reusable apps have been very helpful for spreading around similar functionality across different websites and projects.</a:t>
+              <a:t>Historically, reusable apps have been very helpful for spreading around similar functionality across different websites and projects.</a:t>
             </a:r>
           </a:p>
         </p:txBody>
@@ -10417,7 +10374,7 @@
             <a:fld id="{1A1999AB-E1E9-0041-9266-5CDFD50B0BD8}" type="datetimeFigureOut">
               <a:rPr lang="en-US" smtClean="0"/>
               <a:pPr/>
-              <a:t>9/8/09</a:t>
+              <a:t>9/9/09</a:t>
             </a:fld>
             <a:endParaRPr lang="en-US"/>
           </a:p>
@@ -10584,7 +10541,7 @@
             <a:fld id="{1A1999AB-E1E9-0041-9266-5CDFD50B0BD8}" type="datetimeFigureOut">
               <a:rPr lang="en-US" smtClean="0"/>
               <a:pPr/>
-              <a:t>9/8/09</a:t>
+              <a:t>9/9/09</a:t>
             </a:fld>
             <a:endParaRPr lang="en-US"/>
           </a:p>
@@ -10827,7 +10784,7 @@
             <a:fld id="{1A1999AB-E1E9-0041-9266-5CDFD50B0BD8}" type="datetimeFigureOut">
               <a:rPr lang="en-US" smtClean="0"/>
               <a:pPr/>
-              <a:t>9/8/09</a:t>
+              <a:t>9/9/09</a:t>
             </a:fld>
             <a:endParaRPr lang="en-US"/>
           </a:p>
@@ -11112,7 +11069,7 @@
             <a:fld id="{1A1999AB-E1E9-0041-9266-5CDFD50B0BD8}" type="datetimeFigureOut">
               <a:rPr lang="en-US" smtClean="0"/>
               <a:pPr/>
-              <a:t>9/8/09</a:t>
+              <a:t>9/9/09</a:t>
             </a:fld>
             <a:endParaRPr lang="en-US"/>
           </a:p>
@@ -11531,7 +11488,7 @@
             <a:fld id="{1A1999AB-E1E9-0041-9266-5CDFD50B0BD8}" type="datetimeFigureOut">
               <a:rPr lang="en-US" smtClean="0"/>
               <a:pPr/>
-              <a:t>9/8/09</a:t>
+              <a:t>9/9/09</a:t>
             </a:fld>
             <a:endParaRPr lang="en-US"/>
           </a:p>
@@ -11646,7 +11603,7 @@
             <a:fld id="{1A1999AB-E1E9-0041-9266-5CDFD50B0BD8}" type="datetimeFigureOut">
               <a:rPr lang="en-US" smtClean="0"/>
               <a:pPr/>
-              <a:t>9/8/09</a:t>
+              <a:t>9/9/09</a:t>
             </a:fld>
             <a:endParaRPr lang="en-US"/>
           </a:p>
@@ -11738,7 +11695,7 @@
             <a:fld id="{1A1999AB-E1E9-0041-9266-5CDFD50B0BD8}" type="datetimeFigureOut">
               <a:rPr lang="en-US" smtClean="0"/>
               <a:pPr/>
-              <a:t>9/8/09</a:t>
+              <a:t>9/9/09</a:t>
             </a:fld>
             <a:endParaRPr lang="en-US"/>
           </a:p>
@@ -12138,7 +12095,7 @@
             <a:fld id="{1A1999AB-E1E9-0041-9266-5CDFD50B0BD8}" type="datetimeFigureOut">
               <a:rPr lang="en-US" smtClean="0"/>
               <a:pPr/>
-              <a:t>9/8/09</a:t>
+              <a:t>9/9/09</a:t>
             </a:fld>
             <a:endParaRPr lang="en-US"/>
           </a:p>
@@ -12392,7 +12349,7 @@
             <a:fld id="{1A1999AB-E1E9-0041-9266-5CDFD50B0BD8}" type="datetimeFigureOut">
               <a:rPr lang="en-US" smtClean="0"/>
               <a:pPr/>
-              <a:t>9/8/09</a:t>
+              <a:t>9/9/09</a:t>
             </a:fld>
             <a:endParaRPr lang="en-US"/>
           </a:p>
@@ -12559,7 +12516,7 @@
             <a:fld id="{1A1999AB-E1E9-0041-9266-5CDFD50B0BD8}" type="datetimeFigureOut">
               <a:rPr lang="en-US" smtClean="0"/>
               <a:pPr/>
-              <a:t>9/8/09</a:t>
+              <a:t>9/9/09</a:t>
             </a:fld>
             <a:endParaRPr lang="en-US"/>
           </a:p>
@@ -12736,7 +12693,7 @@
             <a:fld id="{1A1999AB-E1E9-0041-9266-5CDFD50B0BD8}" type="datetimeFigureOut">
               <a:rPr lang="en-US" smtClean="0"/>
               <a:pPr/>
-              <a:t>9/8/09</a:t>
+              <a:t>9/9/09</a:t>
             </a:fld>
             <a:endParaRPr lang="en-US"/>
           </a:p>
@@ -26957,17 +26914,17 @@
   </p:cSld>
   <p:clrMap bg1="lt1" tx1="dk1" bg2="lt2" tx2="dk2" accent1="accent1" accent2="accent2" accent3="accent3" accent4="accent4" accent5="accent5" accent6="accent6" hlink="hlink" folHlink="folHlink"/>
   <p:sldLayoutIdLst>
-    <p:sldLayoutId r:id="rId1"/>
-    <p:sldLayoutId r:id="rId2"/>
-    <p:sldLayoutId r:id="rId3"/>
-    <p:sldLayoutId r:id="rId4"/>
-    <p:sldLayoutId r:id="rId5"/>
-    <p:sldLayoutId r:id="rId6"/>
-    <p:sldLayoutId r:id="rId7"/>
-    <p:sldLayoutId r:id="rId8"/>
-    <p:sldLayoutId r:id="rId9"/>
-    <p:sldLayoutId r:id="rId10"/>
-    <p:sldLayoutId r:id="rId11"/>
+    <p:sldLayoutId id="2147483649" r:id="rId1"/>
+    <p:sldLayoutId id="2147483650" r:id="rId2"/>
+    <p:sldLayoutId id="2147483651" r:id="rId3"/>
+    <p:sldLayoutId id="2147483652" r:id="rId4"/>
+    <p:sldLayoutId id="2147483653" r:id="rId5"/>
+    <p:sldLayoutId id="2147483654" r:id="rId6"/>
+    <p:sldLayoutId id="2147483655" r:id="rId7"/>
+    <p:sldLayoutId id="2147483656" r:id="rId8"/>
+    <p:sldLayoutId id="2147483657" r:id="rId9"/>
+    <p:sldLayoutId id="2147483658" r:id="rId10"/>
+    <p:sldLayoutId id="2147483659" r:id="rId11"/>
   </p:sldLayoutIdLst>
   <p:transition/>
   <p:txStyles>
@@ -27533,17 +27490,17 @@
   </p:cSld>
   <p:clrMap bg1="lt1" tx1="dk1" bg2="lt2" tx2="dk2" accent1="accent1" accent2="accent2" accent3="accent3" accent4="accent4" accent5="accent5" accent6="accent6" hlink="hlink" folHlink="folHlink"/>
   <p:sldLayoutIdLst>
-    <p:sldLayoutId r:id="rId1"/>
-    <p:sldLayoutId r:id="rId2"/>
-    <p:sldLayoutId r:id="rId3"/>
-    <p:sldLayoutId r:id="rId4"/>
-    <p:sldLayoutId r:id="rId5"/>
-    <p:sldLayoutId r:id="rId6"/>
-    <p:sldLayoutId r:id="rId7"/>
-    <p:sldLayoutId r:id="rId8"/>
-    <p:sldLayoutId r:id="rId9"/>
-    <p:sldLayoutId r:id="rId10"/>
-    <p:sldLayoutId r:id="rId11"/>
+    <p:sldLayoutId id="2147483757" r:id="rId1"/>
+    <p:sldLayoutId id="2147483758" r:id="rId2"/>
+    <p:sldLayoutId id="2147483759" r:id="rId3"/>
+    <p:sldLayoutId id="2147483760" r:id="rId4"/>
+    <p:sldLayoutId id="2147483761" r:id="rId5"/>
+    <p:sldLayoutId id="2147483762" r:id="rId6"/>
+    <p:sldLayoutId id="2147483763" r:id="rId7"/>
+    <p:sldLayoutId id="2147483764" r:id="rId8"/>
+    <p:sldLayoutId id="2147483765" r:id="rId9"/>
+    <p:sldLayoutId id="2147483766" r:id="rId10"/>
+    <p:sldLayoutId id="2147483767" r:id="rId11"/>
   </p:sldLayoutIdLst>
   <p:transition/>
   <p:txStyles>
@@ -28136,17 +28093,17 @@
   </p:cSld>
   <p:clrMap bg1="lt1" tx1="dk1" bg2="lt2" tx2="dk2" accent1="accent1" accent2="accent2" accent3="accent3" accent4="accent4" accent5="accent5" accent6="accent6" hlink="hlink" folHlink="folHlink"/>
   <p:sldLayoutIdLst>
-    <p:sldLayoutId r:id="rId1"/>
-    <p:sldLayoutId r:id="rId2"/>
-    <p:sldLayoutId r:id="rId3"/>
-    <p:sldLayoutId r:id="rId4"/>
-    <p:sldLayoutId r:id="rId5"/>
-    <p:sldLayoutId r:id="rId6"/>
-    <p:sldLayoutId r:id="rId7"/>
-    <p:sldLayoutId r:id="rId8"/>
-    <p:sldLayoutId r:id="rId9"/>
-    <p:sldLayoutId r:id="rId10"/>
-    <p:sldLayoutId r:id="rId11"/>
+    <p:sldLayoutId id="2147483769" r:id="rId1"/>
+    <p:sldLayoutId id="2147483770" r:id="rId2"/>
+    <p:sldLayoutId id="2147483771" r:id="rId3"/>
+    <p:sldLayoutId id="2147483772" r:id="rId4"/>
+    <p:sldLayoutId id="2147483773" r:id="rId5"/>
+    <p:sldLayoutId id="2147483774" r:id="rId6"/>
+    <p:sldLayoutId id="2147483775" r:id="rId7"/>
+    <p:sldLayoutId id="2147483776" r:id="rId8"/>
+    <p:sldLayoutId id="2147483777" r:id="rId9"/>
+    <p:sldLayoutId id="2147483778" r:id="rId10"/>
+    <p:sldLayoutId id="2147483779" r:id="rId11"/>
   </p:sldLayoutIdLst>
   <p:transition/>
   <p:txStyles>
@@ -28739,17 +28696,17 @@
   </p:cSld>
   <p:clrMap bg1="lt1" tx1="dk1" bg2="lt2" tx2="dk2" accent1="accent1" accent2="accent2" accent3="accent3" accent4="accent4" accent5="accent5" accent6="accent6" hlink="hlink" folHlink="folHlink"/>
   <p:sldLayoutIdLst>
-    <p:sldLayoutId r:id="rId1"/>
-    <p:sldLayoutId r:id="rId2"/>
-    <p:sldLayoutId r:id="rId3"/>
-    <p:sldLayoutId r:id="rId4"/>
-    <p:sldLayoutId r:id="rId5"/>
-    <p:sldLayoutId r:id="rId6"/>
-    <p:sldLayoutId r:id="rId7"/>
-    <p:sldLayoutId r:id="rId8"/>
-    <p:sldLayoutId r:id="rId9"/>
-    <p:sldLayoutId r:id="rId10"/>
-    <p:sldLayoutId r:id="rId11"/>
+    <p:sldLayoutId id="2147483781" r:id="rId1"/>
+    <p:sldLayoutId id="2147483782" r:id="rId2"/>
+    <p:sldLayoutId id="2147483783" r:id="rId3"/>
+    <p:sldLayoutId id="2147483784" r:id="rId4"/>
+    <p:sldLayoutId id="2147483785" r:id="rId5"/>
+    <p:sldLayoutId id="2147483786" r:id="rId6"/>
+    <p:sldLayoutId id="2147483787" r:id="rId7"/>
+    <p:sldLayoutId id="2147483788" r:id="rId8"/>
+    <p:sldLayoutId id="2147483789" r:id="rId9"/>
+    <p:sldLayoutId id="2147483790" r:id="rId10"/>
+    <p:sldLayoutId id="2147483791" r:id="rId11"/>
   </p:sldLayoutIdLst>
   <p:transition/>
   <p:txStyles>
@@ -29349,7 +29306,7 @@
             <a:fld id="{1A1999AB-E1E9-0041-9266-5CDFD50B0BD8}" type="datetimeFigureOut">
               <a:rPr lang="en-US" smtClean="0"/>
               <a:pPr/>
-              <a:t>9/8/09</a:t>
+              <a:t>9/9/09</a:t>
             </a:fld>
             <a:endParaRPr lang="en-US"/>
           </a:p>
@@ -29438,17 +29395,17 @@
   </p:cSld>
   <p:clrMap bg1="lt1" tx1="dk1" bg2="lt2" tx2="dk2" accent1="accent1" accent2="accent2" accent3="accent3" accent4="accent4" accent5="accent5" accent6="accent6" hlink="hlink" folHlink="folHlink"/>
   <p:sldLayoutIdLst>
-    <p:sldLayoutId r:id="rId1"/>
-    <p:sldLayoutId r:id="rId2"/>
-    <p:sldLayoutId r:id="rId3"/>
-    <p:sldLayoutId r:id="rId4"/>
-    <p:sldLayoutId r:id="rId5"/>
-    <p:sldLayoutId r:id="rId6"/>
-    <p:sldLayoutId r:id="rId7"/>
-    <p:sldLayoutId r:id="rId8"/>
-    <p:sldLayoutId r:id="rId9"/>
-    <p:sldLayoutId r:id="rId10"/>
-    <p:sldLayoutId r:id="rId11"/>
+    <p:sldLayoutId id="2147483793" r:id="rId1"/>
+    <p:sldLayoutId id="2147483794" r:id="rId2"/>
+    <p:sldLayoutId id="2147483795" r:id="rId3"/>
+    <p:sldLayoutId id="2147483796" r:id="rId4"/>
+    <p:sldLayoutId id="2147483797" r:id="rId5"/>
+    <p:sldLayoutId id="2147483798" r:id="rId6"/>
+    <p:sldLayoutId id="2147483799" r:id="rId7"/>
+    <p:sldLayoutId id="2147483800" r:id="rId8"/>
+    <p:sldLayoutId id="2147483801" r:id="rId9"/>
+    <p:sldLayoutId id="2147483802" r:id="rId10"/>
+    <p:sldLayoutId id="2147483803" r:id="rId11"/>
   </p:sldLayoutIdLst>
   <p:txStyles>
     <p:titleStyle>
@@ -29812,17 +29769,17 @@
   </p:cSld>
   <p:clrMap bg1="lt1" tx1="dk1" bg2="lt2" tx2="dk2" accent1="accent1" accent2="accent2" accent3="accent3" accent4="accent4" accent5="accent5" accent6="accent6" hlink="hlink" folHlink="folHlink"/>
   <p:sldLayoutIdLst>
-    <p:sldLayoutId r:id="rId1"/>
-    <p:sldLayoutId r:id="rId2"/>
-    <p:sldLayoutId r:id="rId3"/>
-    <p:sldLayoutId r:id="rId4"/>
-    <p:sldLayoutId r:id="rId5"/>
-    <p:sldLayoutId r:id="rId6"/>
-    <p:sldLayoutId r:id="rId7"/>
-    <p:sldLayoutId r:id="rId8"/>
-    <p:sldLayoutId r:id="rId9"/>
-    <p:sldLayoutId r:id="rId10"/>
-    <p:sldLayoutId r:id="rId11"/>
+    <p:sldLayoutId id="2147483661" r:id="rId1"/>
+    <p:sldLayoutId id="2147483662" r:id="rId2"/>
+    <p:sldLayoutId id="2147483663" r:id="rId3"/>
+    <p:sldLayoutId id="2147483664" r:id="rId4"/>
+    <p:sldLayoutId id="2147483665" r:id="rId5"/>
+    <p:sldLayoutId id="2147483666" r:id="rId6"/>
+    <p:sldLayoutId id="2147483667" r:id="rId7"/>
+    <p:sldLayoutId id="2147483668" r:id="rId8"/>
+    <p:sldLayoutId id="2147483669" r:id="rId9"/>
+    <p:sldLayoutId id="2147483670" r:id="rId10"/>
+    <p:sldLayoutId id="2147483671" r:id="rId11"/>
   </p:sldLayoutIdLst>
   <p:transition/>
   <p:txStyles>
@@ -30335,17 +30292,17 @@
   </p:cSld>
   <p:clrMap bg1="lt1" tx1="dk1" bg2="lt2" tx2="dk2" accent1="accent1" accent2="accent2" accent3="accent3" accent4="accent4" accent5="accent5" accent6="accent6" hlink="hlink" folHlink="folHlink"/>
   <p:sldLayoutIdLst>
-    <p:sldLayoutId r:id="rId1"/>
-    <p:sldLayoutId r:id="rId2"/>
-    <p:sldLayoutId r:id="rId3"/>
-    <p:sldLayoutId r:id="rId4"/>
-    <p:sldLayoutId r:id="rId5"/>
-    <p:sldLayoutId r:id="rId6"/>
-    <p:sldLayoutId r:id="rId7"/>
-    <p:sldLayoutId r:id="rId8"/>
-    <p:sldLayoutId r:id="rId9"/>
-    <p:sldLayoutId r:id="rId10"/>
-    <p:sldLayoutId r:id="rId11"/>
+    <p:sldLayoutId id="2147483673" r:id="rId1"/>
+    <p:sldLayoutId id="2147483674" r:id="rId2"/>
+    <p:sldLayoutId id="2147483675" r:id="rId3"/>
+    <p:sldLayoutId id="2147483676" r:id="rId4"/>
+    <p:sldLayoutId id="2147483677" r:id="rId5"/>
+    <p:sldLayoutId id="2147483678" r:id="rId6"/>
+    <p:sldLayoutId id="2147483679" r:id="rId7"/>
+    <p:sldLayoutId id="2147483680" r:id="rId8"/>
+    <p:sldLayoutId id="2147483681" r:id="rId9"/>
+    <p:sldLayoutId id="2147483682" r:id="rId10"/>
+    <p:sldLayoutId id="2147483683" r:id="rId11"/>
   </p:sldLayoutIdLst>
   <p:transition/>
   <p:txStyles>
@@ -30831,17 +30788,17 @@
   </p:cSld>
   <p:clrMap bg1="lt1" tx1="dk1" bg2="lt2" tx2="dk2" accent1="accent1" accent2="accent2" accent3="accent3" accent4="accent4" accent5="accent5" accent6="accent6" hlink="hlink" folHlink="folHlink"/>
   <p:sldLayoutIdLst>
-    <p:sldLayoutId r:id="rId1"/>
-    <p:sldLayoutId r:id="rId2"/>
-    <p:sldLayoutId r:id="rId3"/>
-    <p:sldLayoutId r:id="rId4"/>
-    <p:sldLayoutId r:id="rId5"/>
-    <p:sldLayoutId r:id="rId6"/>
-    <p:sldLayoutId r:id="rId7"/>
-    <p:sldLayoutId r:id="rId8"/>
-    <p:sldLayoutId r:id="rId9"/>
-    <p:sldLayoutId r:id="rId10"/>
-    <p:sldLayoutId r:id="rId11"/>
+    <p:sldLayoutId id="2147483685" r:id="rId1"/>
+    <p:sldLayoutId id="2147483686" r:id="rId2"/>
+    <p:sldLayoutId id="2147483687" r:id="rId3"/>
+    <p:sldLayoutId id="2147483688" r:id="rId4"/>
+    <p:sldLayoutId id="2147483689" r:id="rId5"/>
+    <p:sldLayoutId id="2147483690" r:id="rId6"/>
+    <p:sldLayoutId id="2147483691" r:id="rId7"/>
+    <p:sldLayoutId id="2147483692" r:id="rId8"/>
+    <p:sldLayoutId id="2147483693" r:id="rId9"/>
+    <p:sldLayoutId id="2147483694" r:id="rId10"/>
+    <p:sldLayoutId id="2147483695" r:id="rId11"/>
   </p:sldLayoutIdLst>
   <p:transition/>
   <p:txStyles>
@@ -31407,17 +31364,17 @@
   </p:cSld>
   <p:clrMap bg1="lt1" tx1="dk1" bg2="lt2" tx2="dk2" accent1="accent1" accent2="accent2" accent3="accent3" accent4="accent4" accent5="accent5" accent6="accent6" hlink="hlink" folHlink="folHlink"/>
   <p:sldLayoutIdLst>
-    <p:sldLayoutId r:id="rId1"/>
-    <p:sldLayoutId r:id="rId2"/>
-    <p:sldLayoutId r:id="rId3"/>
-    <p:sldLayoutId r:id="rId4"/>
-    <p:sldLayoutId r:id="rId5"/>
-    <p:sldLayoutId r:id="rId6"/>
-    <p:sldLayoutId r:id="rId7"/>
-    <p:sldLayoutId r:id="rId8"/>
-    <p:sldLayoutId r:id="rId9"/>
-    <p:sldLayoutId r:id="rId10"/>
-    <p:sldLayoutId r:id="rId11"/>
+    <p:sldLayoutId id="2147483697" r:id="rId1"/>
+    <p:sldLayoutId id="2147483698" r:id="rId2"/>
+    <p:sldLayoutId id="2147483699" r:id="rId3"/>
+    <p:sldLayoutId id="2147483700" r:id="rId4"/>
+    <p:sldLayoutId id="2147483701" r:id="rId5"/>
+    <p:sldLayoutId id="2147483702" r:id="rId6"/>
+    <p:sldLayoutId id="2147483703" r:id="rId7"/>
+    <p:sldLayoutId id="2147483704" r:id="rId8"/>
+    <p:sldLayoutId id="2147483705" r:id="rId9"/>
+    <p:sldLayoutId id="2147483706" r:id="rId10"/>
+    <p:sldLayoutId id="2147483707" r:id="rId11"/>
   </p:sldLayoutIdLst>
   <p:transition/>
   <p:txStyles>
@@ -31983,17 +31940,17 @@
   </p:cSld>
   <p:clrMap bg1="lt1" tx1="dk1" bg2="lt2" tx2="dk2" accent1="accent1" accent2="accent2" accent3="accent3" accent4="accent4" accent5="accent5" accent6="accent6" hlink="hlink" folHlink="folHlink"/>
   <p:sldLayoutIdLst>
-    <p:sldLayoutId r:id="rId1"/>
-    <p:sldLayoutId r:id="rId2"/>
-    <p:sldLayoutId r:id="rId3"/>
-    <p:sldLayoutId r:id="rId4"/>
-    <p:sldLayoutId r:id="rId5"/>
-    <p:sldLayoutId r:id="rId6"/>
-    <p:sldLayoutId r:id="rId7"/>
-    <p:sldLayoutId r:id="rId8"/>
-    <p:sldLayoutId r:id="rId9"/>
-    <p:sldLayoutId r:id="rId10"/>
-    <p:sldLayoutId r:id="rId11"/>
+    <p:sldLayoutId id="2147483709" r:id="rId1"/>
+    <p:sldLayoutId id="2147483710" r:id="rId2"/>
+    <p:sldLayoutId id="2147483711" r:id="rId3"/>
+    <p:sldLayoutId id="2147483712" r:id="rId4"/>
+    <p:sldLayoutId id="2147483713" r:id="rId5"/>
+    <p:sldLayoutId id="2147483714" r:id="rId6"/>
+    <p:sldLayoutId id="2147483715" r:id="rId7"/>
+    <p:sldLayoutId id="2147483716" r:id="rId8"/>
+    <p:sldLayoutId id="2147483717" r:id="rId9"/>
+    <p:sldLayoutId id="2147483718" r:id="rId10"/>
+    <p:sldLayoutId id="2147483719" r:id="rId11"/>
   </p:sldLayoutIdLst>
   <p:transition/>
   <p:txStyles>
@@ -32479,17 +32436,17 @@
   </p:cSld>
   <p:clrMap bg1="lt1" tx1="dk1" bg2="lt2" tx2="dk2" accent1="accent1" accent2="accent2" accent3="accent3" accent4="accent4" accent5="accent5" accent6="accent6" hlink="hlink" folHlink="folHlink"/>
   <p:sldLayoutIdLst>
-    <p:sldLayoutId r:id="rId1"/>
-    <p:sldLayoutId r:id="rId2"/>
-    <p:sldLayoutId r:id="rId3"/>
-    <p:sldLayoutId r:id="rId4"/>
-    <p:sldLayoutId r:id="rId5"/>
-    <p:sldLayoutId r:id="rId6"/>
-    <p:sldLayoutId r:id="rId7"/>
-    <p:sldLayoutId r:id="rId8"/>
-    <p:sldLayoutId r:id="rId9"/>
-    <p:sldLayoutId r:id="rId10"/>
-    <p:sldLayoutId r:id="rId11"/>
+    <p:sldLayoutId id="2147483721" r:id="rId1"/>
+    <p:sldLayoutId id="2147483722" r:id="rId2"/>
+    <p:sldLayoutId id="2147483723" r:id="rId3"/>
+    <p:sldLayoutId id="2147483724" r:id="rId4"/>
+    <p:sldLayoutId id="2147483725" r:id="rId5"/>
+    <p:sldLayoutId id="2147483726" r:id="rId6"/>
+    <p:sldLayoutId id="2147483727" r:id="rId7"/>
+    <p:sldLayoutId id="2147483728" r:id="rId8"/>
+    <p:sldLayoutId id="2147483729" r:id="rId9"/>
+    <p:sldLayoutId id="2147483730" r:id="rId10"/>
+    <p:sldLayoutId id="2147483731" r:id="rId11"/>
   </p:sldLayoutIdLst>
   <p:transition/>
   <p:txStyles>
@@ -32958,17 +32915,17 @@
   </p:cSld>
   <p:clrMap bg1="lt1" tx1="dk1" bg2="lt2" tx2="dk2" accent1="accent1" accent2="accent2" accent3="accent3" accent4="accent4" accent5="accent5" accent6="accent6" hlink="hlink" folHlink="folHlink"/>
   <p:sldLayoutIdLst>
-    <p:sldLayoutId r:id="rId1"/>
-    <p:sldLayoutId r:id="rId2"/>
-    <p:sldLayoutId r:id="rId3"/>
-    <p:sldLayoutId r:id="rId4"/>
-    <p:sldLayoutId r:id="rId5"/>
-    <p:sldLayoutId r:id="rId6"/>
-    <p:sldLayoutId r:id="rId7"/>
-    <p:sldLayoutId r:id="rId8"/>
-    <p:sldLayoutId r:id="rId9"/>
-    <p:sldLayoutId r:id="rId10"/>
-    <p:sldLayoutId r:id="rId11"/>
+    <p:sldLayoutId id="2147483733" r:id="rId1"/>
+    <p:sldLayoutId id="2147483734" r:id="rId2"/>
+    <p:sldLayoutId id="2147483735" r:id="rId3"/>
+    <p:sldLayoutId id="2147483736" r:id="rId4"/>
+    <p:sldLayoutId id="2147483737" r:id="rId5"/>
+    <p:sldLayoutId id="2147483738" r:id="rId6"/>
+    <p:sldLayoutId id="2147483739" r:id="rId7"/>
+    <p:sldLayoutId id="2147483740" r:id="rId8"/>
+    <p:sldLayoutId id="2147483741" r:id="rId9"/>
+    <p:sldLayoutId id="2147483742" r:id="rId10"/>
+    <p:sldLayoutId id="2147483743" r:id="rId11"/>
   </p:sldLayoutIdLst>
   <p:transition/>
   <p:txStyles>
@@ -33561,17 +33518,17 @@
   </p:cSld>
   <p:clrMap bg1="lt1" tx1="dk1" bg2="lt2" tx2="dk2" accent1="accent1" accent2="accent2" accent3="accent3" accent4="accent4" accent5="accent5" accent6="accent6" hlink="hlink" folHlink="folHlink"/>
   <p:sldLayoutIdLst>
-    <p:sldLayoutId r:id="rId1"/>
-    <p:sldLayoutId r:id="rId2"/>
-    <p:sldLayoutId r:id="rId3"/>
-    <p:sldLayoutId r:id="rId4"/>
-    <p:sldLayoutId r:id="rId5"/>
-    <p:sldLayoutId r:id="rId6"/>
-    <p:sldLayoutId r:id="rId7"/>
-    <p:sldLayoutId r:id="rId8"/>
-    <p:sldLayoutId r:id="rId9"/>
-    <p:sldLayoutId r:id="rId10"/>
-    <p:sldLayoutId r:id="rId11"/>
+    <p:sldLayoutId id="2147483745" r:id="rId1"/>
+    <p:sldLayoutId id="2147483746" r:id="rId2"/>
+    <p:sldLayoutId id="2147483747" r:id="rId3"/>
+    <p:sldLayoutId id="2147483748" r:id="rId4"/>
+    <p:sldLayoutId id="2147483749" r:id="rId5"/>
+    <p:sldLayoutId id="2147483750" r:id="rId6"/>
+    <p:sldLayoutId id="2147483751" r:id="rId7"/>
+    <p:sldLayoutId id="2147483752" r:id="rId8"/>
+    <p:sldLayoutId id="2147483753" r:id="rId9"/>
+    <p:sldLayoutId id="2147483754" r:id="rId10"/>
+    <p:sldLayoutId id="2147483755" r:id="rId11"/>
   </p:sldLayoutIdLst>
   <p:transition/>
   <p:txStyles>
@@ -34096,34 +34053,7 @@
                 <a:cs typeface="Myriad Pro" pitchFamily="-65" charset="0"/>
                 <a:sym typeface="Myriad Pro" pitchFamily="-65" charset="0"/>
               </a:rPr>
-              <a:t>Pluggable</a:t>
-            </a:r>
-            <a:r>
-              <a:rPr lang="en-US" dirty="0" smtClean="0">
-                <a:latin typeface="Myriad Pro" pitchFamily="-65" charset="0"/>
-                <a:ea typeface="Myriad Pro" pitchFamily="-65" charset="0"/>
-                <a:cs typeface="Myriad Pro" pitchFamily="-65" charset="0"/>
-                <a:sym typeface="Myriad Pro" pitchFamily="-65" charset="0"/>
-              </a:rPr>
-              <a:t> </a:t>
-            </a:r>
-            <a:r>
-              <a:rPr lang="en-US" dirty="0" smtClean="0">
-                <a:latin typeface="Myriad Pro" pitchFamily="-65" charset="0"/>
-                <a:ea typeface="Myriad Pro" pitchFamily="-65" charset="0"/>
-                <a:cs typeface="Myriad Pro" pitchFamily="-65" charset="0"/>
-                <a:sym typeface="Myriad Pro" pitchFamily="-65" charset="0"/>
-              </a:rPr>
-              <a:t>Applications</a:t>
-            </a:r>
-            <a:r>
-              <a:rPr lang="en-US" dirty="0" smtClean="0">
-                <a:latin typeface="Myriad Pro" pitchFamily="-65" charset="0"/>
-                <a:ea typeface="Myriad Pro" pitchFamily="-65" charset="0"/>
-                <a:cs typeface="Myriad Pro" pitchFamily="-65" charset="0"/>
-                <a:sym typeface="Myriad Pro" pitchFamily="-65" charset="0"/>
-              </a:rPr>
-              <a:t/>
+              <a:t>Pluggable Applications</a:t>
             </a:r>
             <a:br>
               <a:rPr lang="en-US" dirty="0" smtClean="0">
@@ -37476,7 +37406,6 @@
               <a:rPr lang="en-US" sz="3600" dirty="0" smtClean="0"/>
               <a:t>Q &amp; A</a:t>
             </a:r>
-            <a:endParaRPr lang="en-US" sz="3600" dirty="0" smtClean="0"/>
           </a:p>
         </p:txBody>
       </p:sp>
@@ -37966,11 +37895,6 @@
               </a:rPr>
               <a:t>Subclass / instantiation of Pluggable application</a:t>
             </a:r>
-            <a:endParaRPr lang="en-US" sz="3200" dirty="0" smtClean="0">
-              <a:solidFill>
-                <a:schemeClr val="tx1"/>
-              </a:solidFill>
-            </a:endParaRPr>
           </a:p>
         </p:txBody>
       </p:sp>
@@ -38973,16 +38897,14 @@
       </p:pic>
       <p:sp>
         <p:nvSpPr>
-          <p:cNvPr id="202757" name="Rectangle 2"/>
-          <p:cNvSpPr txBox="1">
-            <a:spLocks noChangeArrowheads="1"/>
-          </p:cNvSpPr>
+          <p:cNvPr id="6" name="Rectangle 5"/>
+          <p:cNvSpPr/>
           <p:nvPr/>
         </p:nvSpPr>
-        <p:spPr bwMode="auto">
+        <p:spPr>
           <a:xfrm>
-            <a:off x="228599" y="1732360"/>
-            <a:ext cx="8686801" cy="4018359"/>
+            <a:off x="152399" y="1869281"/>
+            <a:ext cx="8856133" cy="3893374"/>
           </a:xfrm>
           <a:prstGeom prst="rect">
             <a:avLst/>
@@ -38990,489 +38912,496 @@
           <a:solidFill>
             <a:schemeClr val="bg1"/>
           </a:solidFill>
-          <a:ln w="12700">
-            <a:noFill/>
-            <a:miter lim="800000"/>
-            <a:headEnd/>
-            <a:tailEnd/>
-          </a:ln>
-        </p:spPr>
-        <p:txBody>
-          <a:bodyPr lIns="35717" tIns="35717" rIns="35717" bIns="35717" anchor="ctr">
-            <a:prstTxWarp prst="textNoShape">
-              <a:avLst/>
-            </a:prstTxWarp>
+        </p:spPr>
+        <p:txBody>
+          <a:bodyPr wrap="square">
+            <a:spAutoFit/>
           </a:bodyPr>
           <a:lstStyle/>
           <a:p>
             <a:pPr algn="l"/>
-            <a:r>
-              <a:rPr lang="en-US" sz="2000" dirty="0" smtClean="0">
-                <a:latin typeface="Monaco"/>
+            <a:endParaRPr lang="en-US" sz="1900" dirty="0" smtClean="0">
+              <a:latin typeface="Consolas"/>
+              <a:ea typeface="Monaco"/>
+              <a:cs typeface="Consolas"/>
+            </a:endParaRPr>
+          </a:p>
+          <a:p>
+            <a:pPr algn="l"/>
+            <a:r>
+              <a:rPr lang="en-US" sz="1900" dirty="0" smtClean="0">
+                <a:latin typeface="Consolas"/>
                 <a:ea typeface="Monaco"/>
-                <a:cs typeface="Monaco"/>
+                <a:cs typeface="Consolas"/>
               </a:rPr>
-              <a:t>def</a:t>
-            </a:r>
-            <a:r>
-              <a:rPr lang="en-US" sz="2000" dirty="0" smtClean="0">
-                <a:latin typeface="Monaco"/>
+              <a:t>def </a:t>
+            </a:r>
+            <a:r>
+              <a:rPr lang="en-US" sz="1900" dirty="0" err="1" smtClean="0">
+                <a:solidFill>
+                  <a:srgbClr val="9A0000"/>
+                </a:solidFill>
+                <a:latin typeface="Consolas"/>
                 <a:ea typeface="Monaco"/>
-                <a:cs typeface="Monaco"/>
+                <a:cs typeface="Consolas"/>
               </a:rPr>
-              <a:t> </a:t>
-            </a:r>
-            <a:r>
-              <a:rPr lang="en-US" sz="2000" dirty="0" err="1" smtClean="0">
-                <a:solidFill>
-                  <a:srgbClr val="990000"/>
-                </a:solidFill>
-                <a:latin typeface="Monaco"/>
+              <a:t>index</a:t>
+            </a:r>
+            <a:r>
+              <a:rPr lang="en-US" sz="1900" dirty="0" err="1" smtClean="0">
+                <a:latin typeface="Consolas"/>
                 <a:ea typeface="Monaco"/>
-                <a:cs typeface="Monaco"/>
-              </a:rPr>
-              <a:t>view</a:t>
-            </a:r>
-            <a:r>
-              <a:rPr lang="en-US" sz="2000" dirty="0" err="1" smtClean="0">
-                <a:latin typeface="Monaco"/>
-                <a:ea typeface="Monaco"/>
-                <a:cs typeface="Monaco"/>
+                <a:cs typeface="Consolas"/>
               </a:rPr>
               <a:t>(request</a:t>
             </a:r>
             <a:r>
-              <a:rPr lang="en-US" sz="2000" dirty="0" smtClean="0">
-                <a:latin typeface="Monaco"/>
+              <a:rPr lang="en-US" sz="1900" dirty="0" smtClean="0">
+                <a:latin typeface="Consolas"/>
                 <a:ea typeface="Monaco"/>
-                <a:cs typeface="Monaco"/>
+                <a:cs typeface="Consolas"/>
+              </a:rPr>
+              <a:t>):</a:t>
+            </a:r>
+          </a:p>
+          <a:p>
+            <a:pPr algn="l"/>
+            <a:r>
+              <a:rPr lang="en-US" sz="1900" dirty="0" smtClean="0">
+                <a:latin typeface="Consolas"/>
+                <a:ea typeface="Monaco"/>
+                <a:cs typeface="Consolas"/>
+              </a:rPr>
+              <a:t>    complaints = </a:t>
+            </a:r>
+            <a:r>
+              <a:rPr lang="en-US" sz="1900" dirty="0" err="1" smtClean="0">
+                <a:latin typeface="Consolas"/>
+                <a:ea typeface="Monaco"/>
+                <a:cs typeface="Consolas"/>
+              </a:rPr>
+              <a:t>Complaint.objects.pluggable(request</a:t>
+            </a:r>
+            <a:r>
+              <a:rPr lang="en-US" sz="1900" dirty="0" smtClean="0">
+                <a:latin typeface="Consolas"/>
+                <a:ea typeface="Monaco"/>
+                <a:cs typeface="Consolas"/>
+              </a:rPr>
+              <a:t>)</a:t>
+            </a:r>
+          </a:p>
+          <a:p>
+            <a:pPr algn="l"/>
+            <a:r>
+              <a:rPr lang="en-US" sz="1900" dirty="0" smtClean="0">
+                <a:latin typeface="Consolas"/>
+                <a:ea typeface="Monaco"/>
+                <a:cs typeface="Consolas"/>
+              </a:rPr>
+              <a:t>    form = </a:t>
+            </a:r>
+            <a:r>
+              <a:rPr lang="en-US" sz="1900" dirty="0" err="1" smtClean="0">
+                <a:latin typeface="Consolas"/>
+                <a:ea typeface="Monaco"/>
+                <a:cs typeface="Consolas"/>
+              </a:rPr>
+              <a:t>ComplaintForm</a:t>
+            </a:r>
+            <a:r>
+              <a:rPr lang="en-US" sz="1900" dirty="0" smtClean="0">
+                <a:latin typeface="Consolas"/>
+                <a:ea typeface="Monaco"/>
+                <a:cs typeface="Consolas"/>
+              </a:rPr>
+              <a:t>(</a:t>
+            </a:r>
+            <a:r>
+              <a:rPr lang="en-US" sz="1900" dirty="0" smtClean="0">
+                <a:latin typeface="Consolas"/>
+                <a:ea typeface="Monaco"/>
+                <a:cs typeface="Consolas"/>
+              </a:rPr>
+              <a:t>)</a:t>
+            </a:r>
+          </a:p>
+          <a:p>
+            <a:pPr algn="l"/>
+            <a:r>
+              <a:rPr lang="en-US" sz="1900" dirty="0" smtClean="0">
+                <a:latin typeface="Consolas"/>
+                <a:ea typeface="Monaco"/>
+                <a:cs typeface="Consolas"/>
+              </a:rPr>
+              <a:t>    template = </a:t>
+            </a:r>
+            <a:r>
+              <a:rPr lang="en-US" sz="1900" dirty="0" err="1" smtClean="0">
+                <a:latin typeface="Consolas"/>
+                <a:ea typeface="Monaco"/>
+                <a:cs typeface="Consolas"/>
+              </a:rPr>
+              <a:t>request.pluggable.config.get(</a:t>
+            </a:r>
+            <a:r>
+              <a:rPr lang="en-US" sz="1900" dirty="0" err="1" smtClean="0">
+                <a:solidFill>
+                  <a:srgbClr val="BC8844"/>
+                </a:solidFill>
+                <a:latin typeface="Consolas"/>
+                <a:ea typeface="Monaco"/>
+                <a:cs typeface="Consolas"/>
+              </a:rPr>
+              <a:t>'</a:t>
+            </a:r>
+            <a:r>
+              <a:rPr lang="en-US" sz="1900" dirty="0" err="1" smtClean="0">
+                <a:solidFill>
+                  <a:srgbClr val="BC8844"/>
+                </a:solidFill>
+                <a:latin typeface="Consolas"/>
+                <a:ea typeface="Monaco"/>
+                <a:cs typeface="Consolas"/>
+              </a:rPr>
+              <a:t>template</a:t>
+            </a:r>
+            <a:r>
+              <a:rPr lang="en-US" sz="1900" dirty="0" smtClean="0">
+                <a:solidFill>
+                  <a:srgbClr val="BC8844"/>
+                </a:solidFill>
+                <a:latin typeface="Consolas"/>
+                <a:ea typeface="Monaco"/>
+                <a:cs typeface="Consolas"/>
+              </a:rPr>
+              <a:t>’</a:t>
+            </a:r>
+            <a:r>
+              <a:rPr lang="en-US" sz="1900" dirty="0" smtClean="0">
+                <a:latin typeface="Consolas"/>
+                <a:ea typeface="Monaco"/>
+                <a:cs typeface="Consolas"/>
+              </a:rPr>
+              <a:t>)</a:t>
+            </a:r>
+          </a:p>
+          <a:p>
+            <a:pPr algn="l"/>
+            <a:r>
+              <a:rPr lang="en-US" sz="1900" dirty="0" smtClean="0">
+                <a:latin typeface="Consolas"/>
+                <a:ea typeface="Monaco"/>
+                <a:cs typeface="Consolas"/>
+              </a:rPr>
+              <a:t>    </a:t>
+            </a:r>
+            <a:r>
+              <a:rPr lang="en-US" sz="1900" dirty="0" err="1" smtClean="0">
+                <a:latin typeface="Consolas"/>
+                <a:ea typeface="Monaco"/>
+                <a:cs typeface="Consolas"/>
+              </a:rPr>
+              <a:t>base_template</a:t>
+            </a:r>
+            <a:r>
+              <a:rPr lang="en-US" sz="1900" dirty="0" smtClean="0">
+                <a:latin typeface="Consolas"/>
+                <a:ea typeface="Monaco"/>
+                <a:cs typeface="Consolas"/>
+              </a:rPr>
+              <a:t> = </a:t>
+            </a:r>
+            <a:r>
+              <a:rPr lang="en-US" sz="1900" dirty="0" err="1" smtClean="0">
+                <a:latin typeface="Consolas"/>
+                <a:ea typeface="Monaco"/>
+                <a:cs typeface="Consolas"/>
+              </a:rPr>
+              <a:t>request.pluggable.config.get(</a:t>
+            </a:r>
+            <a:r>
+              <a:rPr lang="en-US" sz="1900" dirty="0" err="1" smtClean="0">
+                <a:solidFill>
+                  <a:srgbClr val="BC8844"/>
+                </a:solidFill>
+                <a:latin typeface="Consolas"/>
+                <a:ea typeface="Monaco"/>
+                <a:cs typeface="Consolas"/>
+              </a:rPr>
+              <a:t>'</a:t>
+            </a:r>
+            <a:r>
+              <a:rPr lang="en-US" sz="1900" dirty="0" err="1" smtClean="0">
+                <a:solidFill>
+                  <a:srgbClr val="BC8844"/>
+                </a:solidFill>
+                <a:latin typeface="Consolas"/>
+                <a:ea typeface="Monaco"/>
+                <a:cs typeface="Consolas"/>
+              </a:rPr>
+              <a:t>base_template</a:t>
+            </a:r>
+            <a:r>
+              <a:rPr lang="en-US" sz="1900" dirty="0" smtClean="0">
+                <a:solidFill>
+                  <a:srgbClr val="BC8844"/>
+                </a:solidFill>
+                <a:latin typeface="Consolas"/>
+                <a:ea typeface="Monaco"/>
+                <a:cs typeface="Consolas"/>
+              </a:rPr>
+              <a:t>’</a:t>
+            </a:r>
+            <a:r>
+              <a:rPr lang="en-US" sz="1900" dirty="0" smtClean="0">
+                <a:latin typeface="Consolas"/>
+                <a:ea typeface="Monaco"/>
+                <a:cs typeface="Consolas"/>
+              </a:rPr>
+              <a:t>)</a:t>
+            </a:r>
+          </a:p>
+          <a:p>
+            <a:pPr algn="l"/>
+            <a:endParaRPr lang="en-US" sz="1900" dirty="0" smtClean="0">
+              <a:latin typeface="Consolas"/>
+              <a:ea typeface="Monaco"/>
+              <a:cs typeface="Consolas"/>
+            </a:endParaRPr>
+          </a:p>
+          <a:p>
+            <a:pPr algn="l"/>
+            <a:r>
+              <a:rPr lang="en-US" sz="1900" dirty="0" smtClean="0">
+                <a:latin typeface="Consolas"/>
+                <a:ea typeface="Monaco"/>
+                <a:cs typeface="Consolas"/>
+              </a:rPr>
+              <a:t>    return </a:t>
+            </a:r>
+            <a:r>
+              <a:rPr lang="en-US" sz="1900" dirty="0" err="1" smtClean="0">
+                <a:latin typeface="Consolas"/>
+                <a:ea typeface="Monaco"/>
+                <a:cs typeface="Consolas"/>
+              </a:rPr>
+              <a:t>render_to_response</a:t>
+            </a:r>
+            <a:r>
+              <a:rPr lang="en-US" sz="1900" dirty="0" err="1" smtClean="0">
+                <a:latin typeface="Consolas"/>
+                <a:ea typeface="Monaco"/>
+                <a:cs typeface="Consolas"/>
+              </a:rPr>
+              <a:t>(template</a:t>
+            </a:r>
+            <a:r>
+              <a:rPr lang="en-US" sz="1900" dirty="0" smtClean="0">
+                <a:latin typeface="Consolas"/>
+                <a:ea typeface="Monaco"/>
+                <a:cs typeface="Consolas"/>
               </a:rPr>
               <a:t>, </a:t>
             </a:r>
             <a:r>
-              <a:rPr lang="en-US" sz="2000" dirty="0" err="1" smtClean="0">
-                <a:latin typeface="Monaco"/>
+              <a:rPr lang="en-US" sz="1900" dirty="0" smtClean="0">
+                <a:latin typeface="Consolas"/>
                 <a:ea typeface="Monaco"/>
-                <a:cs typeface="Monaco"/>
+                <a:cs typeface="Consolas"/>
               </a:rPr>
-              <a:t>complaint_id</a:t>
-            </a:r>
-            <a:r>
-              <a:rPr lang="en-US" sz="2000" dirty="0" smtClean="0">
-                <a:latin typeface="Monaco"/>
+              <a:t>{</a:t>
+            </a:r>
+          </a:p>
+          <a:p>
+            <a:pPr algn="l"/>
+            <a:r>
+              <a:rPr lang="en-US" sz="1900" dirty="0" smtClean="0">
+                <a:latin typeface="Consolas"/>
                 <a:ea typeface="Monaco"/>
-                <a:cs typeface="Monaco"/>
+                <a:cs typeface="Consolas"/>
               </a:rPr>
-              <a:t>):   </a:t>
+              <a:t>        </a:t>
+            </a:r>
+            <a:r>
+              <a:rPr lang="en-US" sz="1900" dirty="0" smtClean="0">
+                <a:solidFill>
+                  <a:srgbClr val="BC8844"/>
+                </a:solidFill>
+                <a:latin typeface="Consolas"/>
+                <a:ea typeface="Monaco"/>
+                <a:cs typeface="Consolas"/>
+              </a:rPr>
+              <a:t>'complaints'</a:t>
+            </a:r>
+            <a:r>
+              <a:rPr lang="en-US" sz="1900" dirty="0" smtClean="0">
+                <a:latin typeface="Consolas"/>
+                <a:ea typeface="Monaco"/>
+                <a:cs typeface="Consolas"/>
+              </a:rPr>
+              <a:t>: complaints,</a:t>
             </a:r>
           </a:p>
           <a:p>
             <a:pPr algn="l"/>
             <a:r>
-              <a:rPr lang="en-US" sz="2000" dirty="0" smtClean="0">
-                <a:latin typeface="Monaco"/>
+              <a:rPr lang="en-US" sz="1900" dirty="0" smtClean="0">
+                <a:latin typeface="Consolas"/>
                 <a:ea typeface="Monaco"/>
-                <a:cs typeface="Monaco"/>
+                <a:cs typeface="Consolas"/>
               </a:rPr>
-              <a:t>    complaints </a:t>
-            </a:r>
-            <a:r>
-              <a:rPr lang="en-US" sz="2000" dirty="0" smtClean="0">
-                <a:latin typeface="Monaco"/>
+              <a:t>        </a:t>
+            </a:r>
+            <a:r>
+              <a:rPr lang="en-US" sz="1900" dirty="0" smtClean="0">
+                <a:solidFill>
+                  <a:srgbClr val="BC8844"/>
+                </a:solidFill>
+                <a:latin typeface="Consolas"/>
                 <a:ea typeface="Monaco"/>
-                <a:cs typeface="Monaco"/>
+                <a:cs typeface="Consolas"/>
               </a:rPr>
-              <a:t>= </a:t>
-            </a:r>
-            <a:r>
-              <a:rPr lang="en-US" sz="2000" dirty="0" err="1" smtClean="0">
-                <a:latin typeface="Monaco"/>
+              <a:t>'form'</a:t>
+            </a:r>
+            <a:r>
+              <a:rPr lang="en-US" sz="1900" dirty="0" smtClean="0">
+                <a:latin typeface="Consolas"/>
                 <a:ea typeface="Monaco"/>
-                <a:cs typeface="Monaco"/>
+                <a:cs typeface="Consolas"/>
               </a:rPr>
-              <a:t>Complaint.objects.get(pk</a:t>
-            </a:r>
-            <a:r>
-              <a:rPr lang="en-US" sz="2000" dirty="0" smtClean="0">
-                <a:latin typeface="Monaco"/>
+              <a:t>: form,</a:t>
+            </a:r>
+          </a:p>
+          <a:p>
+            <a:pPr algn="l"/>
+            <a:r>
+              <a:rPr lang="en-US" sz="1900" dirty="0" smtClean="0">
+                <a:latin typeface="Consolas"/>
                 <a:ea typeface="Monaco"/>
-                <a:cs typeface="Monaco"/>
+                <a:cs typeface="Consolas"/>
+              </a:rPr>
+              <a:t>        </a:t>
+            </a:r>
+            <a:r>
+              <a:rPr lang="en-US" sz="1900" dirty="0" smtClean="0">
+                <a:solidFill>
+                  <a:srgbClr val="BC8844"/>
+                </a:solidFill>
+                <a:latin typeface="Consolas"/>
+                <a:ea typeface="Monaco"/>
+                <a:cs typeface="Consolas"/>
+              </a:rPr>
+              <a:t>'</a:t>
+            </a:r>
+            <a:r>
+              <a:rPr lang="en-US" sz="1900" dirty="0" err="1" smtClean="0">
+                <a:solidFill>
+                  <a:srgbClr val="BC8844"/>
+                </a:solidFill>
+                <a:latin typeface="Consolas"/>
+                <a:ea typeface="Monaco"/>
+                <a:cs typeface="Consolas"/>
+              </a:rPr>
+              <a:t>base_template</a:t>
+            </a:r>
+            <a:r>
+              <a:rPr lang="en-US" sz="1900" dirty="0" smtClean="0">
+                <a:solidFill>
+                  <a:srgbClr val="BC8844"/>
+                </a:solidFill>
+                <a:latin typeface="Consolas"/>
+                <a:ea typeface="Monaco"/>
+                <a:cs typeface="Consolas"/>
+              </a:rPr>
+              <a:t>'</a:t>
+            </a:r>
+            <a:r>
+              <a:rPr lang="en-US" sz="1900" dirty="0" smtClean="0">
+                <a:latin typeface="Consolas"/>
+                <a:ea typeface="Monaco"/>
+                <a:cs typeface="Consolas"/>
+              </a:rPr>
+              <a:t>: </a:t>
+            </a:r>
+            <a:r>
+              <a:rPr lang="en-US" sz="1900" dirty="0" err="1" smtClean="0">
+                <a:latin typeface="Consolas"/>
+                <a:ea typeface="Monaco"/>
+                <a:cs typeface="Consolas"/>
+              </a:rPr>
+              <a:t>base_template</a:t>
+            </a:r>
+            <a:r>
+              <a:rPr lang="en-US" sz="1900" dirty="0" smtClean="0">
+                <a:latin typeface="Consolas"/>
+                <a:ea typeface="Monaco"/>
+                <a:cs typeface="Consolas"/>
+              </a:rPr>
+              <a:t>,</a:t>
+            </a:r>
+            <a:endParaRPr lang="en-US" sz="1900" dirty="0" smtClean="0">
+              <a:latin typeface="Consolas"/>
+              <a:ea typeface="Monaco"/>
+              <a:cs typeface="Consolas"/>
+            </a:endParaRPr>
+          </a:p>
+          <a:p>
+            <a:pPr algn="l"/>
+            <a:r>
+              <a:rPr lang="en-US" sz="1900" dirty="0" smtClean="0">
+                <a:latin typeface="Consolas"/>
+                <a:ea typeface="Monaco"/>
+                <a:cs typeface="Consolas"/>
+              </a:rPr>
+              <a:t>        }, </a:t>
+            </a:r>
+            <a:r>
+              <a:rPr lang="en-US" sz="1900" dirty="0" err="1" smtClean="0">
+                <a:latin typeface="Consolas"/>
+                <a:ea typeface="Monaco"/>
+                <a:cs typeface="Consolas"/>
+              </a:rPr>
+              <a:t>context_instance</a:t>
+            </a:r>
+            <a:r>
+              <a:rPr lang="en-US" sz="1900" dirty="0" smtClean="0">
+                <a:latin typeface="Consolas"/>
+                <a:ea typeface="Monaco"/>
+                <a:cs typeface="Consolas"/>
               </a:rPr>
               <a:t>=</a:t>
             </a:r>
             <a:r>
-              <a:rPr lang="en-US" sz="2000" dirty="0" err="1" smtClean="0">
-                <a:latin typeface="Monaco"/>
+              <a:rPr lang="en-US" sz="1900" dirty="0" err="1" smtClean="0">
+                <a:latin typeface="Consolas"/>
                 <a:ea typeface="Monaco"/>
-                <a:cs typeface="Monaco"/>
+                <a:cs typeface="Consolas"/>
               </a:rPr>
-              <a:t>complaint_id</a:t>
-            </a:r>
-            <a:r>
-              <a:rPr lang="en-US" sz="2000" dirty="0" smtClean="0">
-                <a:latin typeface="Monaco"/>
+              <a:t>RequestContext(request</a:t>
+            </a:r>
+            <a:r>
+              <a:rPr lang="en-US" sz="1900" dirty="0" smtClean="0">
+                <a:latin typeface="Consolas"/>
                 <a:ea typeface="Monaco"/>
-                <a:cs typeface="Monaco"/>
+                <a:cs typeface="Consolas"/>
               </a:rPr>
               <a:t>)</a:t>
             </a:r>
-          </a:p>
-          <a:p>
-            <a:pPr algn="l"/>
-            <a:r>
-              <a:rPr lang="en-US" sz="2000" dirty="0" smtClean="0">
-                <a:latin typeface="Monaco"/>
+            <a:r>
+              <a:rPr lang="en-US" sz="1900" dirty="0" smtClean="0">
+                <a:latin typeface="Consolas"/>
                 <a:ea typeface="Monaco"/>
-                <a:cs typeface="Monaco"/>
-              </a:rPr>
-              <a:t>    return </a:t>
-            </a:r>
-            <a:r>
-              <a:rPr lang="en-US" sz="2000" dirty="0" err="1" smtClean="0">
-                <a:latin typeface="Monaco"/>
-                <a:ea typeface="Monaco"/>
-                <a:cs typeface="Monaco"/>
-              </a:rPr>
-              <a:t>render_to_response</a:t>
-            </a:r>
-            <a:r>
-              <a:rPr lang="en-US" sz="2000" dirty="0" err="1" smtClean="0">
-                <a:latin typeface="Monaco"/>
-                <a:ea typeface="Monaco"/>
-                <a:cs typeface="Monaco"/>
-              </a:rPr>
-              <a:t>(request.pluggable.config.get(</a:t>
-            </a:r>
-            <a:r>
-              <a:rPr lang="en-US" sz="2000" dirty="0" err="1" smtClean="0">
-                <a:solidFill>
-                  <a:srgbClr val="BB8844"/>
-                </a:solidFill>
-                <a:latin typeface="Monaco"/>
-                <a:ea typeface="Monaco"/>
-                <a:cs typeface="Monaco"/>
-              </a:rPr>
-              <a:t>'template</a:t>
-            </a:r>
-            <a:r>
-              <a:rPr lang="en-US" sz="2000" dirty="0" smtClean="0">
-                <a:solidFill>
-                  <a:srgbClr val="BB8844"/>
-                </a:solidFill>
-                <a:latin typeface="Monaco"/>
-                <a:ea typeface="Monaco"/>
-                <a:cs typeface="Monaco"/>
-              </a:rPr>
-              <a:t>'</a:t>
-            </a:r>
-            <a:r>
-              <a:rPr lang="en-US" sz="2000" dirty="0" smtClean="0">
-                <a:latin typeface="Monaco"/>
-                <a:ea typeface="Monaco"/>
-                <a:cs typeface="Monaco"/>
-              </a:rPr>
-              <a:t>, </a:t>
-            </a:r>
-            <a:r>
-              <a:rPr lang="en-US" sz="2000" dirty="0" smtClean="0">
-                <a:solidFill>
-                  <a:srgbClr val="BB8844"/>
-                </a:solidFill>
-                <a:latin typeface="Monaco"/>
-                <a:ea typeface="Monaco"/>
-                <a:cs typeface="Monaco"/>
-              </a:rPr>
-              <a:t>'complaints/</a:t>
-            </a:r>
-            <a:r>
-              <a:rPr lang="en-US" sz="2000" dirty="0" err="1" smtClean="0">
-                <a:solidFill>
-                  <a:srgbClr val="BB8844"/>
-                </a:solidFill>
-                <a:latin typeface="Monaco"/>
-                <a:ea typeface="Monaco"/>
-                <a:cs typeface="Monaco"/>
-              </a:rPr>
-              <a:t>index.html</a:t>
-            </a:r>
-            <a:r>
-              <a:rPr lang="en-US" sz="2000" dirty="0" smtClean="0">
-                <a:solidFill>
-                  <a:srgbClr val="BB8844"/>
-                </a:solidFill>
-                <a:latin typeface="Monaco"/>
-                <a:ea typeface="Monaco"/>
-                <a:cs typeface="Monaco"/>
-              </a:rPr>
-              <a:t>'</a:t>
-            </a:r>
-            <a:r>
-              <a:rPr lang="en-US" sz="2000" dirty="0" smtClean="0">
-                <a:latin typeface="Monaco"/>
-                <a:ea typeface="Monaco"/>
-                <a:cs typeface="Monaco"/>
+                <a:cs typeface="Consolas"/>
               </a:rPr>
               <a:t>)</a:t>
             </a:r>
-            <a:r>
-              <a:rPr lang="en-US" sz="2000" dirty="0" smtClean="0">
-                <a:latin typeface="Monaco"/>
-                <a:ea typeface="Monaco"/>
-                <a:cs typeface="Monaco"/>
-              </a:rPr>
-              <a:t>, {</a:t>
-            </a:r>
           </a:p>
           <a:p>
             <a:pPr algn="l"/>
-            <a:r>
-              <a:rPr lang="en-US" sz="2000" dirty="0" smtClean="0">
-                <a:latin typeface="Monaco"/>
-                <a:ea typeface="Monaco"/>
-                <a:cs typeface="Monaco"/>
-              </a:rPr>
-              <a:t>        </a:t>
-            </a:r>
-            <a:r>
-              <a:rPr lang="en-US" sz="2000" dirty="0" smtClean="0">
-                <a:solidFill>
-                  <a:srgbClr val="BB8844"/>
-                </a:solidFill>
-                <a:latin typeface="Monaco"/>
-                <a:ea typeface="Monaco"/>
-                <a:cs typeface="Monaco"/>
-              </a:rPr>
-              <a:t>'complaints'</a:t>
-            </a:r>
-            <a:r>
-              <a:rPr lang="en-US" sz="2000" dirty="0" smtClean="0">
-                <a:latin typeface="Monaco"/>
-                <a:ea typeface="Monaco"/>
-                <a:cs typeface="Monaco"/>
-              </a:rPr>
-              <a:t>: complaints,</a:t>
-            </a:r>
-          </a:p>
-          <a:p>
-            <a:pPr algn="l"/>
-            <a:r>
-              <a:rPr lang="en-US" sz="2000" dirty="0" smtClean="0">
-                <a:latin typeface="Monaco"/>
-                <a:ea typeface="Monaco"/>
-                <a:cs typeface="Monaco"/>
-              </a:rPr>
-              <a:t>        </a:t>
-            </a:r>
-            <a:r>
-              <a:rPr lang="en-US" sz="2000" dirty="0" smtClean="0">
-                <a:solidFill>
-                  <a:srgbClr val="BB8844"/>
-                </a:solidFill>
-                <a:latin typeface="Monaco"/>
-                <a:ea typeface="Monaco"/>
-                <a:cs typeface="Monaco"/>
-              </a:rPr>
-              <a:t>'form'</a:t>
-            </a:r>
-            <a:r>
-              <a:rPr lang="en-US" sz="2000" dirty="0" smtClean="0">
-                <a:latin typeface="Monaco"/>
-                <a:ea typeface="Monaco"/>
-                <a:cs typeface="Monaco"/>
-              </a:rPr>
-              <a:t>: form,</a:t>
-            </a:r>
-          </a:p>
-          <a:p>
-            <a:pPr algn="l"/>
-            <a:r>
-              <a:rPr lang="en-US" sz="2000" dirty="0" smtClean="0">
-                <a:latin typeface="Monaco"/>
-                <a:ea typeface="Monaco"/>
-                <a:cs typeface="Monaco"/>
-              </a:rPr>
-              <a:t>        </a:t>
-            </a:r>
-            <a:r>
-              <a:rPr lang="en-US" sz="2000" dirty="0" smtClean="0">
-                <a:solidFill>
-                  <a:srgbClr val="BB8844"/>
-                </a:solidFill>
-                <a:latin typeface="Monaco"/>
-                <a:ea typeface="Monaco"/>
-                <a:cs typeface="Monaco"/>
-              </a:rPr>
-              <a:t>'</a:t>
-            </a:r>
-            <a:r>
-              <a:rPr lang="en-US" sz="2000" dirty="0" err="1" smtClean="0">
-                <a:solidFill>
-                  <a:srgbClr val="BB8844"/>
-                </a:solidFill>
-                <a:latin typeface="Monaco"/>
-                <a:ea typeface="Monaco"/>
-                <a:cs typeface="Monaco"/>
-              </a:rPr>
-              <a:t>base_template</a:t>
-            </a:r>
-            <a:r>
-              <a:rPr lang="en-US" sz="2000" dirty="0" smtClean="0">
-                <a:solidFill>
-                  <a:srgbClr val="BB8844"/>
-                </a:solidFill>
-                <a:latin typeface="Monaco"/>
-                <a:ea typeface="Monaco"/>
-                <a:cs typeface="Monaco"/>
-              </a:rPr>
-              <a:t>'</a:t>
-            </a:r>
-            <a:r>
-              <a:rPr lang="en-US" sz="2000" dirty="0" smtClean="0">
-                <a:latin typeface="Monaco"/>
-                <a:ea typeface="Monaco"/>
-                <a:cs typeface="Monaco"/>
-              </a:rPr>
-              <a:t>:</a:t>
-            </a:r>
-            <a:r>
-              <a:rPr lang="en-US" sz="2000" dirty="0" smtClean="0">
-                <a:latin typeface="Monaco"/>
-                <a:ea typeface="Monaco"/>
-                <a:cs typeface="Monaco"/>
-              </a:rPr>
-              <a:t> </a:t>
-            </a:r>
-            <a:r>
-              <a:rPr lang="en-US" sz="2000" dirty="0" err="1" smtClean="0">
-                <a:latin typeface="Monaco"/>
-                <a:ea typeface="Monaco"/>
-                <a:cs typeface="Monaco"/>
-              </a:rPr>
-              <a:t>request.pluggable.config.get(</a:t>
-            </a:r>
-            <a:r>
-              <a:rPr lang="en-US" sz="2000" dirty="0" err="1" smtClean="0">
-                <a:solidFill>
-                  <a:srgbClr val="BB8844"/>
-                </a:solidFill>
-                <a:latin typeface="Monaco"/>
-                <a:ea typeface="Monaco"/>
-                <a:cs typeface="Monaco"/>
-              </a:rPr>
-              <a:t>'base_template</a:t>
-            </a:r>
-            <a:r>
-              <a:rPr lang="en-US" sz="2000" dirty="0" smtClean="0">
-                <a:solidFill>
-                  <a:srgbClr val="BB8844"/>
-                </a:solidFill>
-                <a:latin typeface="Monaco"/>
-                <a:ea typeface="Monaco"/>
-                <a:cs typeface="Monaco"/>
-              </a:rPr>
-              <a:t>'</a:t>
-            </a:r>
-            <a:r>
-              <a:rPr lang="en-US" sz="2000" dirty="0" smtClean="0">
-                <a:latin typeface="Monaco"/>
-                <a:ea typeface="Monaco"/>
-                <a:cs typeface="Monaco"/>
-              </a:rPr>
-              <a:t>, </a:t>
-            </a:r>
-            <a:r>
-              <a:rPr lang="en-US" sz="2000" dirty="0" smtClean="0">
-                <a:solidFill>
-                  <a:srgbClr val="BB8844"/>
-                </a:solidFill>
-                <a:latin typeface="Monaco"/>
-                <a:ea typeface="Monaco"/>
-                <a:cs typeface="Monaco"/>
-              </a:rPr>
-              <a:t>'</a:t>
-            </a:r>
-            <a:r>
-              <a:rPr lang="en-US" sz="2000" dirty="0" err="1" smtClean="0">
-                <a:solidFill>
-                  <a:srgbClr val="BB8844"/>
-                </a:solidFill>
-                <a:latin typeface="Monaco"/>
-                <a:ea typeface="Monaco"/>
-                <a:cs typeface="Monaco"/>
-              </a:rPr>
-              <a:t>base.html</a:t>
-            </a:r>
-            <a:r>
-              <a:rPr lang="en-US" sz="2000" dirty="0" smtClean="0">
-                <a:solidFill>
-                  <a:srgbClr val="BB8844"/>
-                </a:solidFill>
-                <a:latin typeface="Monaco"/>
-                <a:ea typeface="Monaco"/>
-                <a:cs typeface="Monaco"/>
-              </a:rPr>
-              <a:t>'</a:t>
-            </a:r>
-            <a:r>
-              <a:rPr lang="en-US" sz="2000" dirty="0" smtClean="0">
-                <a:latin typeface="Monaco"/>
-                <a:ea typeface="Monaco"/>
-                <a:cs typeface="Monaco"/>
-              </a:rPr>
-              <a:t>),</a:t>
-            </a:r>
-            <a:endParaRPr lang="en-US" sz="2000" dirty="0" smtClean="0">
-              <a:latin typeface="Monaco"/>
-              <a:ea typeface="Monaco"/>
-              <a:cs typeface="Monaco"/>
-            </a:endParaRPr>
-          </a:p>
-          <a:p>
-            <a:pPr algn="l"/>
-            <a:r>
-              <a:rPr lang="en-US" sz="2000" dirty="0" smtClean="0">
-                <a:latin typeface="Monaco"/>
-                <a:ea typeface="Monaco"/>
-                <a:cs typeface="Monaco"/>
-              </a:rPr>
-              <a:t>        }, </a:t>
-            </a:r>
-            <a:r>
-              <a:rPr lang="en-US" sz="2000" dirty="0" err="1" smtClean="0">
-                <a:latin typeface="Monaco"/>
-                <a:ea typeface="Monaco"/>
-                <a:cs typeface="Monaco"/>
-              </a:rPr>
-              <a:t>context_instance</a:t>
-            </a:r>
-            <a:r>
-              <a:rPr lang="en-US" sz="2000" dirty="0" smtClean="0">
-                <a:latin typeface="Monaco"/>
-                <a:ea typeface="Monaco"/>
-                <a:cs typeface="Monaco"/>
-              </a:rPr>
-              <a:t>=</a:t>
-            </a:r>
-            <a:r>
-              <a:rPr lang="en-US" sz="2000" dirty="0" err="1" smtClean="0">
-                <a:latin typeface="Monaco"/>
-                <a:ea typeface="Monaco"/>
-                <a:cs typeface="Monaco"/>
-              </a:rPr>
-              <a:t>RequestContext(request</a:t>
-            </a:r>
-            <a:r>
-              <a:rPr lang="en-US" sz="2000" dirty="0" smtClean="0">
-                <a:latin typeface="Monaco"/>
-                <a:ea typeface="Monaco"/>
-                <a:cs typeface="Monaco"/>
-              </a:rPr>
-              <a:t>))</a:t>
-            </a:r>
-            <a:endParaRPr lang="en-US" sz="2000" dirty="0" smtClean="0">
-              <a:solidFill>
-                <a:schemeClr val="tx1"/>
-              </a:solidFill>
+            <a:endParaRPr lang="en-US" sz="1900" dirty="0">
+              <a:latin typeface="Consolas"/>
+              <a:cs typeface="Consolas"/>
             </a:endParaRPr>
           </a:p>
         </p:txBody>
@@ -40428,15 +40357,7 @@
             </a:r>
             <a:r>
               <a:rPr lang="en-US" sz="2500" dirty="0" smtClean="0"/>
-              <a:t> </a:t>
-            </a:r>
-            <a:r>
-              <a:rPr lang="en-US" sz="2500" dirty="0" smtClean="0"/>
-              <a:t>see some live examples</a:t>
-            </a:r>
-            <a:r>
-              <a:rPr lang="en-US" sz="2500" dirty="0" smtClean="0"/>
-              <a:t>…</a:t>
+              <a:t> see some live examples…</a:t>
             </a:r>
             <a:endParaRPr lang="en-US" sz="2500" dirty="0"/>
           </a:p>
@@ -40656,11 +40577,7 @@
           <a:p>
             <a:r>
               <a:rPr lang="en-US" sz="2500" b="1" dirty="0" smtClean="0"/>
-              <a:t>Shawn </a:t>
-            </a:r>
-            <a:r>
-              <a:rPr lang="en-US" sz="2500" b="1" dirty="0" smtClean="0"/>
-              <a:t>Rider</a:t>
+              <a:t>Shawn Rider</a:t>
             </a:r>
           </a:p>
           <a:p>
@@ -42931,11 +42848,7 @@
             </a:br>
             <a:r>
               <a:rPr lang="en-US" sz="2500" dirty="0" smtClean="0"/>
-              <a:t>(e.g.</a:t>
-            </a:r>
-            <a:r>
-              <a:rPr lang="en-US" sz="2500" dirty="0" smtClean="0"/>
-              <a:t> </a:t>
+              <a:t>(e.g. </a:t>
             </a:r>
             <a:r>
               <a:rPr lang="en-US" sz="2500" dirty="0" smtClean="0">
